--- a/Creating AMD Dijits for ArcGIS API for JavaScript.pptx
+++ b/Creating AMD Dijits for ArcGIS API for JavaScript.pptx
@@ -9711,7 +9711,7 @@
           <a:noFill/>
           <a:extLst>
             <a:ext uri="{909E8E84-426E-40dd-AFC4-6F175D3DCCD1}">
-              <a14:hiddenFill xmlns:a14="http://schemas.microsoft.com/office/drawing/2010/main" xmlns="">
+              <a14:hiddenFill xmlns="" xmlns:a14="http://schemas.microsoft.com/office/drawing/2010/main">
                 <a:solidFill>
                   <a:srgbClr val="FFFFFF"/>
                 </a:solidFill>
@@ -10150,13 +10150,8 @@
           <a:p>
             <a:r>
               <a:rPr lang="en-US" dirty="0" smtClean="0"/>
-              <a:t>Fewer </a:t>
-            </a:r>
-            <a:r>
-              <a:rPr lang="en-US" dirty="0" smtClean="0"/>
-              <a:t>global variables</a:t>
-            </a:r>
-            <a:endParaRPr lang="en-US" dirty="0" smtClean="0"/>
+              <a:t>Fewer global variables</a:t>
+            </a:r>
           </a:p>
           <a:p>
             <a:r>
@@ -10744,7 +10739,9 @@
       </p:sp>
       <p:pic>
         <p:nvPicPr>
-          <p:cNvPr id="4" name="Content Placeholder 3"/>
+          <p:cNvPr id="4" name="Content Placeholder 3">
+            <a:hlinkClick r:id="rId3"/>
+          </p:cNvPr>
           <p:cNvPicPr>
             <a:picLocks noGrp="1" noChangeAspect="1"/>
           </p:cNvPicPr>
@@ -10753,7 +10750,7 @@
           </p:nvPr>
         </p:nvPicPr>
         <p:blipFill>
-          <a:blip r:embed="rId3">
+          <a:blip r:embed="rId4">
             <a:extLst>
               <a:ext uri="{28A0092B-C50C-407E-A947-70E740481C1C}">
                 <a14:useLocalDpi xmlns:a14="http://schemas.microsoft.com/office/drawing/2010/main" val="0"/>
@@ -12295,6 +12292,15 @@
 </file>
 
 <file path=customXml/item2.xml><?xml version="1.0" encoding="utf-8"?>
+<?mso-contentType ?>
+<FormTemplates xmlns="http://schemas.microsoft.com/sharepoint/v3/contenttype/forms">
+  <Display>DocumentLibraryForm</Display>
+  <Edit>DocumentLibraryForm</Edit>
+  <New>DocumentLibraryForm</New>
+</FormTemplates>
+</file>
+
+<file path=customXml/item3.xml><?xml version="1.0" encoding="utf-8"?>
 <p:properties xmlns:p="http://schemas.microsoft.com/office/2006/metadata/properties" xmlns:xsi="http://www.w3.org/2001/XMLSchema-instance" xmlns:pc="http://schemas.microsoft.com/office/infopath/2007/PartnerControls">
   <documentManagement>
     <ContentTypeId xmlns="http://schemas.microsoft.com/sharepoint/v3">0x0101007ACEDCC1796C5046AD2614E8CD10690B</ContentTypeId>
@@ -12307,15 +12313,6 @@
     <MetaInfo xmlns="http://schemas.microsoft.com/sharepoint/v3" xsi:nil="true"/>
   </documentManagement>
 </p:properties>
-</file>
-
-<file path=customXml/item3.xml><?xml version="1.0" encoding="utf-8"?>
-<?mso-contentType ?>
-<FormTemplates xmlns="http://schemas.microsoft.com/sharepoint/v3/contenttype/forms">
-  <Display>DocumentLibraryForm</Display>
-  <Edit>DocumentLibraryForm</Edit>
-  <New>DocumentLibraryForm</New>
-</FormTemplates>
 </file>
 
 <file path=customXml/itemProps1.xml><?xml version="1.0" encoding="utf-8"?>
@@ -12338,6 +12335,14 @@
 </file>
 
 <file path=customXml/itemProps2.xml><?xml version="1.0" encoding="utf-8"?>
+<ds:datastoreItem xmlns:ds="http://schemas.openxmlformats.org/officeDocument/2006/customXml" ds:itemID="{89805D6C-B8DC-404E-9641-F8CAEFFAF152}">
+  <ds:schemaRefs>
+    <ds:schemaRef ds:uri="http://schemas.microsoft.com/sharepoint/v3/contenttype/forms"/>
+  </ds:schemaRefs>
+</ds:datastoreItem>
+</file>
+
+<file path=customXml/itemProps3.xml><?xml version="1.0" encoding="utf-8"?>
 <ds:datastoreItem xmlns:ds="http://schemas.openxmlformats.org/officeDocument/2006/customXml" ds:itemID="{D4A1F543-0560-4885-97B7-BFA7C1FD3A41}">
   <ds:schemaRefs>
     <ds:schemaRef ds:uri="http://schemas.microsoft.com/sharepoint/v3"/>
@@ -12352,12 +12357,4 @@
     <ds:schemaRef ds:uri="http://schemas.microsoft.com/office/2006/metadata/properties"/>
   </ds:schemaRefs>
 </ds:datastoreItem>
-</file>
-
-<file path=customXml/itemProps3.xml><?xml version="1.0" encoding="utf-8"?>
-<ds:datastoreItem xmlns:ds="http://schemas.openxmlformats.org/officeDocument/2006/customXml" ds:itemID="{89805D6C-B8DC-404E-9641-F8CAEFFAF152}">
-  <ds:schemaRefs>
-    <ds:schemaRef ds:uri="http://schemas.microsoft.com/sharepoint/v3/contenttype/forms"/>
-  </ds:schemaRefs>
-</ds:datastoreItem>
 </file>
--- a/Creating AMD Dijits for ArcGIS API for JavaScript.pptx
+++ b/Creating AMD Dijits for ArcGIS API for JavaScript.pptx
@@ -6,20 +6,21 @@
     <p:sldMasterId id="2147486412" r:id="rId5"/>
   </p:sldMasterIdLst>
   <p:notesMasterIdLst>
-    <p:notesMasterId r:id="rId17"/>
+    <p:notesMasterId r:id="rId18"/>
   </p:notesMasterIdLst>
   <p:sldIdLst>
     <p:sldId id="256" r:id="rId6"/>
     <p:sldId id="260" r:id="rId7"/>
     <p:sldId id="262" r:id="rId8"/>
-    <p:sldId id="261" r:id="rId9"/>
-    <p:sldId id="268" r:id="rId10"/>
-    <p:sldId id="263" r:id="rId11"/>
-    <p:sldId id="269" r:id="rId12"/>
-    <p:sldId id="271" r:id="rId13"/>
-    <p:sldId id="267" r:id="rId14"/>
-    <p:sldId id="273" r:id="rId15"/>
-    <p:sldId id="259" r:id="rId16"/>
+    <p:sldId id="274" r:id="rId9"/>
+    <p:sldId id="261" r:id="rId10"/>
+    <p:sldId id="268" r:id="rId11"/>
+    <p:sldId id="263" r:id="rId12"/>
+    <p:sldId id="269" r:id="rId13"/>
+    <p:sldId id="271" r:id="rId14"/>
+    <p:sldId id="267" r:id="rId15"/>
+    <p:sldId id="273" r:id="rId16"/>
+    <p:sldId id="259" r:id="rId17"/>
   </p:sldIdLst>
   <p:sldSz cx="9144000" cy="6858000" type="screen4x3"/>
   <p:notesSz cx="6858000" cy="9144000"/>
@@ -120,7 +121,7 @@
   </p:defaultTextStyle>
   <p:extLst>
     <p:ext uri="{EFAFB233-063F-42B5-8137-9DF3F51BA10A}">
-      <p15:sldGuideLst xmlns:p15="http://schemas.microsoft.com/office/powerpoint/2012/main">
+      <p15:sldGuideLst xmlns="" xmlns:p15="http://schemas.microsoft.com/office/powerpoint/2012/main">
         <p15:guide id="1" orient="horz" pos="430">
           <p15:clr>
             <a:srgbClr val="A4A3A4"/>
@@ -234,7 +235,7 @@
             <a:fld id="{5498D241-0AB7-BC44-80E8-F0A20AF46E9E}" type="datetimeFigureOut">
               <a:rPr lang="en-US" smtClean="0"/>
               <a:pPr/>
-              <a:t>3/24/2013</a:t>
+              <a:t>3/25/13</a:t>
             </a:fld>
             <a:endParaRPr lang="en-US" dirty="0"/>
           </a:p>
@@ -568,12 +569,18 @@
             </a:r>
           </a:p>
           <a:p>
+            <a:endParaRPr lang="en-US" baseline="0" dirty="0" smtClean="0"/>
+          </a:p>
+          <a:p>
             <a:r>
               <a:rPr lang="en-US" baseline="0" dirty="0" smtClean="0"/>
               <a:t>Also get to help development by building widgets</a:t>
             </a:r>
           </a:p>
           <a:p>
+            <a:endParaRPr lang="en-US" baseline="0" dirty="0" smtClean="0"/>
+          </a:p>
+          <a:p>
             <a:r>
               <a:rPr lang="en-US" dirty="0" smtClean="0"/>
               <a:t>Originally learned JS, then </a:t>
@@ -598,6 +605,9 @@
             </a:r>
           </a:p>
           <a:p>
+            <a:endParaRPr lang="en-US" baseline="0" dirty="0" smtClean="0"/>
+          </a:p>
+          <a:p>
             <a:r>
               <a:rPr lang="en-US" baseline="0" dirty="0" smtClean="0"/>
               <a:t>I actually started writing the </a:t>
@@ -607,10 +617,9 @@
               <a:t>geocoder</a:t>
             </a:r>
             <a:r>
-              <a:rPr lang="en-US" baseline="0" smtClean="0"/>
+              <a:rPr lang="en-US" baseline="0" dirty="0" smtClean="0"/>
               <a:t> as original dojo legacy syntax and then converted it to AMD then wrote the directions widget starting with AMD.</a:t>
             </a:r>
-            <a:endParaRPr lang="en-US" baseline="0" dirty="0" smtClean="0"/>
           </a:p>
         </p:txBody>
       </p:sp>
@@ -642,6 +651,176 @@
     <p:extLst>
       <p:ext uri="{BB962C8B-B14F-4D97-AF65-F5344CB8AC3E}">
         <p14:creationId xmlns:p14="http://schemas.microsoft.com/office/powerpoint/2010/main" val="223347873"/>
+      </p:ext>
+    </p:extLst>
+  </p:cSld>
+  <p:clrMapOvr>
+    <a:masterClrMapping/>
+  </p:clrMapOvr>
+</p:notes>
+</file>
+
+<file path=ppt/notesSlides/notesSlide10.xml><?xml version="1.0" encoding="utf-8"?>
+<p:notes xmlns:a="http://schemas.openxmlformats.org/drawingml/2006/main" xmlns:r="http://schemas.openxmlformats.org/officeDocument/2006/relationships" xmlns:p="http://schemas.openxmlformats.org/presentationml/2006/main">
+  <p:cSld>
+    <p:spTree>
+      <p:nvGrpSpPr>
+        <p:cNvPr id="1" name=""/>
+        <p:cNvGrpSpPr/>
+        <p:nvPr/>
+      </p:nvGrpSpPr>
+      <p:grpSpPr>
+        <a:xfrm>
+          <a:off x="0" y="0"/>
+          <a:ext cx="0" cy="0"/>
+          <a:chOff x="0" y="0"/>
+          <a:chExt cx="0" cy="0"/>
+        </a:xfrm>
+      </p:grpSpPr>
+      <p:sp>
+        <p:nvSpPr>
+          <p:cNvPr id="2" name="Slide Image Placeholder 1"/>
+          <p:cNvSpPr>
+            <a:spLocks noGrp="1" noRot="1" noChangeAspect="1"/>
+          </p:cNvSpPr>
+          <p:nvPr>
+            <p:ph type="sldImg"/>
+          </p:nvPr>
+        </p:nvSpPr>
+        <p:spPr/>
+      </p:sp>
+      <p:sp>
+        <p:nvSpPr>
+          <p:cNvPr id="3" name="Notes Placeholder 2"/>
+          <p:cNvSpPr>
+            <a:spLocks noGrp="1"/>
+          </p:cNvSpPr>
+          <p:nvPr>
+            <p:ph type="body" idx="1"/>
+          </p:nvPr>
+        </p:nvSpPr>
+        <p:spPr/>
+        <p:txBody>
+          <a:bodyPr/>
+          <a:lstStyle/>
+          <a:p>
+            <a:endParaRPr lang="en-US" dirty="0" smtClean="0"/>
+          </a:p>
+        </p:txBody>
+      </p:sp>
+      <p:sp>
+        <p:nvSpPr>
+          <p:cNvPr id="4" name="Slide Number Placeholder 3"/>
+          <p:cNvSpPr>
+            <a:spLocks noGrp="1"/>
+          </p:cNvSpPr>
+          <p:nvPr>
+            <p:ph type="sldNum" sz="quarter" idx="10"/>
+          </p:nvPr>
+        </p:nvSpPr>
+        <p:spPr/>
+        <p:txBody>
+          <a:bodyPr/>
+          <a:lstStyle/>
+          <a:p>
+            <a:fld id="{3E7143C0-4F23-B545-9533-520B5A87CA1E}" type="slidenum">
+              <a:rPr lang="en-US" smtClean="0"/>
+              <a:pPr/>
+              <a:t>11</a:t>
+            </a:fld>
+            <a:endParaRPr lang="en-US" dirty="0"/>
+          </a:p>
+        </p:txBody>
+      </p:sp>
+    </p:spTree>
+    <p:extLst>
+      <p:ext uri="{BB962C8B-B14F-4D97-AF65-F5344CB8AC3E}">
+        <p14:creationId xmlns:p14="http://schemas.microsoft.com/office/powerpoint/2010/main" val="1817236783"/>
+      </p:ext>
+    </p:extLst>
+  </p:cSld>
+  <p:clrMapOvr>
+    <a:masterClrMapping/>
+  </p:clrMapOvr>
+</p:notes>
+</file>
+
+<file path=ppt/notesSlides/notesSlide11.xml><?xml version="1.0" encoding="utf-8"?>
+<p:notes xmlns:a="http://schemas.openxmlformats.org/drawingml/2006/main" xmlns:r="http://schemas.openxmlformats.org/officeDocument/2006/relationships" xmlns:p="http://schemas.openxmlformats.org/presentationml/2006/main">
+  <p:cSld>
+    <p:spTree>
+      <p:nvGrpSpPr>
+        <p:cNvPr id="1" name=""/>
+        <p:cNvGrpSpPr/>
+        <p:nvPr/>
+      </p:nvGrpSpPr>
+      <p:grpSpPr>
+        <a:xfrm>
+          <a:off x="0" y="0"/>
+          <a:ext cx="0" cy="0"/>
+          <a:chOff x="0" y="0"/>
+          <a:chExt cx="0" cy="0"/>
+        </a:xfrm>
+      </p:grpSpPr>
+      <p:sp>
+        <p:nvSpPr>
+          <p:cNvPr id="2" name="Slide Image Placeholder 1"/>
+          <p:cNvSpPr>
+            <a:spLocks noGrp="1" noRot="1" noChangeAspect="1"/>
+          </p:cNvSpPr>
+          <p:nvPr>
+            <p:ph type="sldImg"/>
+          </p:nvPr>
+        </p:nvSpPr>
+        <p:spPr/>
+      </p:sp>
+      <p:sp>
+        <p:nvSpPr>
+          <p:cNvPr id="3" name="Notes Placeholder 2"/>
+          <p:cNvSpPr>
+            <a:spLocks noGrp="1"/>
+          </p:cNvSpPr>
+          <p:nvPr>
+            <p:ph type="body" idx="1"/>
+          </p:nvPr>
+        </p:nvSpPr>
+        <p:spPr/>
+        <p:txBody>
+          <a:bodyPr/>
+          <a:lstStyle/>
+          <a:p>
+            <a:endParaRPr lang="en-US" dirty="0"/>
+          </a:p>
+        </p:txBody>
+      </p:sp>
+      <p:sp>
+        <p:nvSpPr>
+          <p:cNvPr id="4" name="Slide Number Placeholder 3"/>
+          <p:cNvSpPr>
+            <a:spLocks noGrp="1"/>
+          </p:cNvSpPr>
+          <p:nvPr>
+            <p:ph type="sldNum" sz="quarter" idx="10"/>
+          </p:nvPr>
+        </p:nvSpPr>
+        <p:spPr/>
+        <p:txBody>
+          <a:bodyPr/>
+          <a:lstStyle/>
+          <a:p>
+            <a:fld id="{3E7143C0-4F23-B545-9533-520B5A87CA1E}" type="slidenum">
+              <a:rPr lang="en-US" smtClean="0"/>
+              <a:pPr/>
+              <a:t>12</a:t>
+            </a:fld>
+            <a:endParaRPr lang="en-US" dirty="0"/>
+          </a:p>
+        </p:txBody>
+      </p:sp>
+    </p:spTree>
+    <p:extLst>
+      <p:ext uri="{BB962C8B-B14F-4D97-AF65-F5344CB8AC3E}">
+        <p14:creationId xmlns:p14="http://schemas.microsoft.com/office/powerpoint/2010/main" val="3737977421"/>
       </p:ext>
     </p:extLst>
   </p:cSld>
@@ -706,8 +885,30 @@
           <a:p>
             <a:r>
               <a:rPr lang="en-US" dirty="0" smtClean="0"/>
-              <a:t>Assigns Local variables instead of using global namespaces</a:t>
-            </a:r>
+              <a:t>Assigns Local variables to</a:t>
+            </a:r>
+            <a:r>
+              <a:rPr lang="en-US" baseline="0" dirty="0" smtClean="0"/>
+              <a:t> your dependencies</a:t>
+            </a:r>
+            <a:r>
+              <a:rPr lang="en-US" dirty="0" smtClean="0"/>
+              <a:t> instead of using global namespaces</a:t>
+            </a:r>
+          </a:p>
+          <a:p>
+            <a:endParaRPr lang="en-US" dirty="0" smtClean="0"/>
+          </a:p>
+          <a:p>
+            <a:r>
+              <a:rPr lang="en-US" dirty="0" smtClean="0"/>
+              <a:t>Just like </a:t>
+            </a:r>
+            <a:r>
+              <a:rPr lang="en-US" dirty="0" err="1" smtClean="0"/>
+              <a:t>Require.js</a:t>
+            </a:r>
+            <a:endParaRPr lang="en-US" dirty="0" smtClean="0"/>
           </a:p>
           <a:p>
             <a:endParaRPr lang="en-US" dirty="0" smtClean="0"/>
@@ -735,7 +936,32 @@
             </a:r>
             <a:r>
               <a:rPr lang="en-US" baseline="0" dirty="0" smtClean="0"/>
-              <a:t> are not converted yet</a:t>
+              <a:t> are not converted yet. Should say on dojo API.</a:t>
+            </a:r>
+          </a:p>
+          <a:p>
+            <a:endParaRPr lang="en-US" baseline="0" dirty="0" smtClean="0"/>
+          </a:p>
+          <a:p>
+            <a:r>
+              <a:rPr lang="en-US" baseline="0" dirty="0" smtClean="0"/>
+              <a:t>AMD modules can be used in a non AMD app as well. So you can still load your </a:t>
+            </a:r>
+            <a:r>
+              <a:rPr lang="en-US" baseline="0" dirty="0" err="1" smtClean="0"/>
+              <a:t>dijit</a:t>
+            </a:r>
+            <a:r>
+              <a:rPr lang="en-US" baseline="0" dirty="0" smtClean="0"/>
+              <a:t> with </a:t>
+            </a:r>
+            <a:r>
+              <a:rPr lang="en-US" baseline="0" dirty="0" err="1" smtClean="0"/>
+              <a:t>dojo.require</a:t>
+            </a:r>
+            <a:r>
+              <a:rPr lang="en-US" baseline="0" dirty="0" smtClean="0"/>
+              <a:t>.</a:t>
             </a:r>
             <a:endParaRPr lang="en-US" dirty="0"/>
           </a:p>
@@ -824,6 +1050,63 @@
           <a:p>
             <a:r>
               <a:rPr lang="en-US" dirty="0" smtClean="0"/>
+              <a:t>These are the</a:t>
+            </a:r>
+            <a:r>
+              <a:rPr lang="en-US" baseline="0" dirty="0" smtClean="0"/>
+              <a:t> two global functions used for AMD.</a:t>
+            </a:r>
+          </a:p>
+          <a:p>
+            <a:endParaRPr lang="en-US" baseline="0" dirty="0" smtClean="0"/>
+          </a:p>
+          <a:p>
+            <a:r>
+              <a:rPr lang="en-US" baseline="0" dirty="0" smtClean="0"/>
+              <a:t>Require, loads your dependencies before doing anything within the function.</a:t>
+            </a:r>
+          </a:p>
+          <a:p>
+            <a:endParaRPr lang="en-US" baseline="0" dirty="0" smtClean="0"/>
+          </a:p>
+          <a:p>
+            <a:r>
+              <a:rPr lang="en-US" baseline="0" dirty="0" smtClean="0"/>
+              <a:t>Define is what you use to create an AMD </a:t>
+            </a:r>
+            <a:r>
+              <a:rPr lang="en-US" baseline="0" dirty="0" err="1" smtClean="0"/>
+              <a:t>Dijit</a:t>
+            </a:r>
+            <a:r>
+              <a:rPr lang="en-US" baseline="0" dirty="0" smtClean="0"/>
+              <a:t>.</a:t>
+            </a:r>
+          </a:p>
+          <a:p>
+            <a:endParaRPr lang="en-US" baseline="0" dirty="0" smtClean="0"/>
+          </a:p>
+          <a:p>
+            <a:r>
+              <a:rPr lang="en-US" baseline="0" dirty="0" smtClean="0"/>
+              <a:t>Define specifies your </a:t>
+            </a:r>
+            <a:r>
+              <a:rPr lang="en-US" baseline="0" dirty="0" err="1" smtClean="0"/>
+              <a:t>dijit’s</a:t>
+            </a:r>
+            <a:r>
+              <a:rPr lang="en-US" baseline="0" dirty="0" smtClean="0"/>
+              <a:t> dependencies and returns your widget’s function to be used once the dependencies are loaded.</a:t>
+            </a:r>
+            <a:endParaRPr lang="en-US" dirty="0" smtClean="0"/>
+          </a:p>
+          <a:p>
+            <a:endParaRPr lang="en-US" dirty="0" smtClean="0"/>
+          </a:p>
+          <a:p>
+            <a:r>
+              <a:rPr lang="en-US" dirty="0" smtClean="0"/>
               <a:t>Basically,</a:t>
             </a:r>
             <a:r>
@@ -839,29 +1122,6 @@
               <a:rPr lang="en-US" baseline="0" dirty="0" smtClean="0"/>
               <a:t>Order matters! Small gripe</a:t>
             </a:r>
-          </a:p>
-          <a:p>
-            <a:endParaRPr lang="en-US" baseline="0" dirty="0" smtClean="0"/>
-          </a:p>
-          <a:p>
-            <a:r>
-              <a:rPr lang="en-US" baseline="0" dirty="0" smtClean="0"/>
-              <a:t>Nested require as conditional</a:t>
-            </a:r>
-          </a:p>
-          <a:p>
-            <a:endParaRPr lang="en-US" baseline="0" dirty="0" smtClean="0"/>
-          </a:p>
-          <a:p>
-            <a:r>
-              <a:rPr lang="en-US" baseline="0" dirty="0" err="1" smtClean="0"/>
-              <a:t>domReady</a:t>
-            </a:r>
-            <a:r>
-              <a:rPr lang="en-US" baseline="0" dirty="0" smtClean="0"/>
-              <a:t>!</a:t>
-            </a:r>
-            <a:endParaRPr lang="en-US" dirty="0"/>
           </a:p>
         </p:txBody>
       </p:sp>
@@ -947,20 +1207,13 @@
           <a:lstStyle/>
           <a:p>
             <a:r>
+              <a:rPr lang="en-US" dirty="0" err="1" smtClean="0"/>
+              <a:t>domReady</a:t>
+            </a:r>
+            <a:r>
               <a:rPr lang="en-US" dirty="0" smtClean="0"/>
-              <a:t>Add</a:t>
-            </a:r>
-            <a:r>
-              <a:rPr lang="en-US" baseline="0" dirty="0" smtClean="0"/>
-              <a:t> packages to load custom modules and </a:t>
-            </a:r>
-            <a:r>
-              <a:rPr lang="en-US" baseline="0" dirty="0" err="1" smtClean="0"/>
-              <a:t>dijits</a:t>
-            </a:r>
-            <a:endParaRPr lang="en-US" baseline="0" dirty="0" smtClean="0"/>
-          </a:p>
-          <a:p>
+              <a:t>! Is a shortcut for ready().</a:t>
+            </a:r>
             <a:endParaRPr lang="en-US" dirty="0"/>
           </a:p>
         </p:txBody>
@@ -983,7 +1236,7 @@
             <a:fld id="{3E7143C0-4F23-B545-9533-520B5A87CA1E}" type="slidenum">
               <a:rPr lang="en-US" smtClean="0"/>
               <a:pPr/>
-              <a:t>6</a:t>
+              <a:t>4</a:t>
             </a:fld>
             <a:endParaRPr lang="en-US" dirty="0"/>
           </a:p>
@@ -992,7 +1245,7 @@
     </p:spTree>
     <p:extLst>
       <p:ext uri="{BB962C8B-B14F-4D97-AF65-F5344CB8AC3E}">
-        <p14:creationId xmlns:p14="http://schemas.microsoft.com/office/powerpoint/2010/main" val="3310543429"/>
+        <p14:creationId xmlns:p14="http://schemas.microsoft.com/office/powerpoint/2010/main" val="1027390007"/>
       </p:ext>
     </p:extLst>
   </p:cSld>
@@ -1048,53 +1301,26 @@
           <a:p>
             <a:r>
               <a:rPr lang="en-US" dirty="0" smtClean="0"/>
-              <a:t>We create</a:t>
+              <a:t>Here’s an example of the old legacy way</a:t>
             </a:r>
             <a:r>
               <a:rPr lang="en-US" baseline="0" dirty="0" smtClean="0"/>
-              <a:t> a </a:t>
-            </a:r>
-            <a:r>
-              <a:rPr lang="en-US" baseline="0" dirty="0" err="1" smtClean="0"/>
-              <a:t>dijit</a:t>
-            </a:r>
+              <a:t> of defining a custom module or widget.</a:t>
+            </a:r>
+          </a:p>
+          <a:p>
+            <a:endParaRPr lang="en-US" baseline="0" dirty="0" smtClean="0"/>
+          </a:p>
+          <a:p>
             <a:r>
               <a:rPr lang="en-US" baseline="0" dirty="0" smtClean="0"/>
-              <a:t> that renders a button that toggles a map </a:t>
-            </a:r>
-            <a:r>
-              <a:rPr lang="en-US" baseline="0" dirty="0" err="1" smtClean="0"/>
-              <a:t>fullscreen</a:t>
-            </a:r>
-            <a:r>
-              <a:rPr lang="en-US" baseline="0" dirty="0" smtClean="0"/>
-              <a:t> using the browsers HTML5 </a:t>
-            </a:r>
-            <a:r>
-              <a:rPr lang="en-US" baseline="0" dirty="0" err="1" smtClean="0"/>
-              <a:t>fullscreen</a:t>
-            </a:r>
-            <a:r>
-              <a:rPr lang="en-US" baseline="0" dirty="0" smtClean="0"/>
-              <a:t> API.</a:t>
+              <a:t>You provide your widget and require all the dependencies but they are all assigned global variables so there is potential for conflicts if you’re using Dojo with another library.</a:t>
             </a:r>
           </a:p>
           <a:p>
             <a:endParaRPr lang="en-US" baseline="0" dirty="0" smtClean="0"/>
           </a:p>
           <a:p>
-            <a:r>
-              <a:rPr lang="en-US" baseline="0" dirty="0" smtClean="0"/>
-              <a:t>The only thing we’re passing into the </a:t>
-            </a:r>
-            <a:r>
-              <a:rPr lang="en-US" baseline="0" dirty="0" err="1" smtClean="0"/>
-              <a:t>Dijit</a:t>
-            </a:r>
-            <a:r>
-              <a:rPr lang="en-US" baseline="0" dirty="0" smtClean="0"/>
-              <a:t> is a ArcGIS Map object.</a:t>
-            </a:r>
             <a:endParaRPr lang="en-US" dirty="0"/>
           </a:p>
         </p:txBody>
@@ -1117,7 +1343,7 @@
             <a:fld id="{3E7143C0-4F23-B545-9533-520B5A87CA1E}" type="slidenum">
               <a:rPr lang="en-US" smtClean="0"/>
               <a:pPr/>
-              <a:t>8</a:t>
+              <a:t>5</a:t>
             </a:fld>
             <a:endParaRPr lang="en-US" dirty="0"/>
           </a:p>
@@ -1126,7 +1352,7 @@
     </p:spTree>
     <p:extLst>
       <p:ext uri="{BB962C8B-B14F-4D97-AF65-F5344CB8AC3E}">
-        <p14:creationId xmlns:p14="http://schemas.microsoft.com/office/powerpoint/2010/main" val="2907153658"/>
+        <p14:creationId xmlns:p14="http://schemas.microsoft.com/office/powerpoint/2010/main" val="1548008379"/>
       </p:ext>
     </p:extLst>
   </p:cSld>
@@ -1180,7 +1406,40 @@
           <a:bodyPr/>
           <a:lstStyle/>
           <a:p>
-            <a:endParaRPr lang="en-US" dirty="0" smtClean="0"/>
+            <a:r>
+              <a:rPr lang="en-US" dirty="0" smtClean="0"/>
+              <a:t>Here’s the new AMD</a:t>
+            </a:r>
+            <a:r>
+              <a:rPr lang="en-US" baseline="0" dirty="0" smtClean="0"/>
+              <a:t> method.</a:t>
+            </a:r>
+          </a:p>
+          <a:p>
+            <a:endParaRPr lang="en-US" baseline="0" dirty="0" smtClean="0"/>
+          </a:p>
+          <a:p>
+            <a:r>
+              <a:rPr lang="en-US" baseline="0" dirty="0" smtClean="0"/>
+              <a:t>All your dependencies are passed in as parameters to the define function so there is less potential for conflicts because there are less </a:t>
+            </a:r>
+            <a:r>
+              <a:rPr lang="en-US" baseline="0" dirty="0" err="1" smtClean="0"/>
+              <a:t>globals</a:t>
+            </a:r>
+            <a:r>
+              <a:rPr lang="en-US" baseline="0" dirty="0" smtClean="0"/>
+              <a:t>. Just require and define with full AMD in </a:t>
+            </a:r>
+            <a:r>
+              <a:rPr lang="en-US" baseline="0" dirty="0" err="1" smtClean="0"/>
+              <a:t>async</a:t>
+            </a:r>
+            <a:r>
+              <a:rPr lang="en-US" baseline="0" dirty="0" smtClean="0"/>
+              <a:t> mode.</a:t>
+            </a:r>
+            <a:endParaRPr lang="en-US" dirty="0"/>
           </a:p>
         </p:txBody>
       </p:sp>
@@ -1202,7 +1461,7 @@
             <a:fld id="{3E7143C0-4F23-B545-9533-520B5A87CA1E}" type="slidenum">
               <a:rPr lang="en-US" smtClean="0"/>
               <a:pPr/>
-              <a:t>10</a:t>
+              <a:t>6</a:t>
             </a:fld>
             <a:endParaRPr lang="en-US" dirty="0"/>
           </a:p>
@@ -1211,7 +1470,7 @@
     </p:spTree>
     <p:extLst>
       <p:ext uri="{BB962C8B-B14F-4D97-AF65-F5344CB8AC3E}">
-        <p14:creationId xmlns:p14="http://schemas.microsoft.com/office/powerpoint/2010/main" val="1817236783"/>
+        <p14:creationId xmlns:p14="http://schemas.microsoft.com/office/powerpoint/2010/main" val="2948256864"/>
       </p:ext>
     </p:extLst>
   </p:cSld>
@@ -1265,6 +1524,63 @@
           <a:bodyPr/>
           <a:lstStyle/>
           <a:p>
+            <a:r>
+              <a:rPr lang="en-US" dirty="0" smtClean="0"/>
+              <a:t>Setup</a:t>
+            </a:r>
+            <a:r>
+              <a:rPr lang="en-US" baseline="0" dirty="0" smtClean="0"/>
+              <a:t> your dojo </a:t>
+            </a:r>
+            <a:r>
+              <a:rPr lang="en-US" baseline="0" dirty="0" err="1" smtClean="0"/>
+              <a:t>config</a:t>
+            </a:r>
+            <a:r>
+              <a:rPr lang="en-US" baseline="0" dirty="0" smtClean="0"/>
+              <a:t> to point to your </a:t>
+            </a:r>
+            <a:r>
+              <a:rPr lang="en-US" baseline="0" dirty="0" err="1" smtClean="0"/>
+              <a:t>dijit</a:t>
+            </a:r>
+            <a:r>
+              <a:rPr lang="en-US" baseline="0" dirty="0" smtClean="0"/>
+              <a:t>.</a:t>
+            </a:r>
+          </a:p>
+          <a:p>
+            <a:endParaRPr lang="en-US" baseline="0" dirty="0" smtClean="0"/>
+          </a:p>
+          <a:p>
+            <a:r>
+              <a:rPr lang="en-US" baseline="0" dirty="0" smtClean="0"/>
+              <a:t>You can define multiple packages.</a:t>
+            </a:r>
+            <a:endParaRPr lang="en-US" dirty="0" smtClean="0"/>
+          </a:p>
+          <a:p>
+            <a:endParaRPr lang="en-US" dirty="0" smtClean="0"/>
+          </a:p>
+          <a:p>
+            <a:r>
+              <a:rPr lang="en-US" dirty="0" smtClean="0"/>
+              <a:t>Add</a:t>
+            </a:r>
+            <a:r>
+              <a:rPr lang="en-US" baseline="0" dirty="0" smtClean="0"/>
+              <a:t> packages to load custom modules and </a:t>
+            </a:r>
+            <a:r>
+              <a:rPr lang="en-US" baseline="0" dirty="0" err="1" smtClean="0"/>
+              <a:t>dijits</a:t>
+            </a:r>
+            <a:endParaRPr lang="en-US" baseline="0" dirty="0" smtClean="0"/>
+          </a:p>
+          <a:p>
+            <a:endParaRPr lang="en-US" baseline="0" dirty="0" smtClean="0"/>
+          </a:p>
+          <a:p>
             <a:endParaRPr lang="en-US" dirty="0"/>
           </a:p>
         </p:txBody>
@@ -1287,7 +1603,7 @@
             <a:fld id="{3E7143C0-4F23-B545-9533-520B5A87CA1E}" type="slidenum">
               <a:rPr lang="en-US" smtClean="0"/>
               <a:pPr/>
-              <a:t>11</a:t>
+              <a:t>7</a:t>
             </a:fld>
             <a:endParaRPr lang="en-US" dirty="0"/>
           </a:p>
@@ -1296,7 +1612,279 @@
     </p:spTree>
     <p:extLst>
       <p:ext uri="{BB962C8B-B14F-4D97-AF65-F5344CB8AC3E}">
-        <p14:creationId xmlns:p14="http://schemas.microsoft.com/office/powerpoint/2010/main" val="3737977421"/>
+        <p14:creationId xmlns:p14="http://schemas.microsoft.com/office/powerpoint/2010/main" val="3310543429"/>
+      </p:ext>
+    </p:extLst>
+  </p:cSld>
+  <p:clrMapOvr>
+    <a:masterClrMapping/>
+  </p:clrMapOvr>
+</p:notes>
+</file>
+
+<file path=ppt/notesSlides/notesSlide8.xml><?xml version="1.0" encoding="utf-8"?>
+<p:notes xmlns:a="http://schemas.openxmlformats.org/drawingml/2006/main" xmlns:r="http://schemas.openxmlformats.org/officeDocument/2006/relationships" xmlns:p="http://schemas.openxmlformats.org/presentationml/2006/main">
+  <p:cSld>
+    <p:spTree>
+      <p:nvGrpSpPr>
+        <p:cNvPr id="1" name=""/>
+        <p:cNvGrpSpPr/>
+        <p:nvPr/>
+      </p:nvGrpSpPr>
+      <p:grpSpPr>
+        <a:xfrm>
+          <a:off x="0" y="0"/>
+          <a:ext cx="0" cy="0"/>
+          <a:chOff x="0" y="0"/>
+          <a:chExt cx="0" cy="0"/>
+        </a:xfrm>
+      </p:grpSpPr>
+      <p:sp>
+        <p:nvSpPr>
+          <p:cNvPr id="2" name="Slide Image Placeholder 1"/>
+          <p:cNvSpPr>
+            <a:spLocks noGrp="1" noRot="1" noChangeAspect="1"/>
+          </p:cNvSpPr>
+          <p:nvPr>
+            <p:ph type="sldImg"/>
+          </p:nvPr>
+        </p:nvSpPr>
+        <p:spPr/>
+      </p:sp>
+      <p:sp>
+        <p:nvSpPr>
+          <p:cNvPr id="3" name="Notes Placeholder 2"/>
+          <p:cNvSpPr>
+            <a:spLocks noGrp="1"/>
+          </p:cNvSpPr>
+          <p:nvPr>
+            <p:ph type="body" idx="1"/>
+          </p:nvPr>
+        </p:nvSpPr>
+        <p:spPr/>
+        <p:txBody>
+          <a:bodyPr/>
+          <a:lstStyle/>
+          <a:p>
+            <a:r>
+              <a:rPr lang="en-US" dirty="0" smtClean="0"/>
+              <a:t>In</a:t>
+            </a:r>
+            <a:r>
+              <a:rPr lang="en-US" baseline="0" dirty="0" smtClean="0"/>
+              <a:t> this example, notice how there’s a require statement inside of the click event for this debug button.</a:t>
+            </a:r>
+          </a:p>
+          <a:p>
+            <a:endParaRPr lang="en-US" baseline="0" dirty="0" smtClean="0"/>
+          </a:p>
+          <a:p>
+            <a:r>
+              <a:rPr lang="en-US" baseline="0" dirty="0" smtClean="0"/>
+              <a:t>Inside that, another dependency is loaded when a button is clicked.</a:t>
+            </a:r>
+          </a:p>
+          <a:p>
+            <a:endParaRPr lang="en-US" baseline="0" dirty="0" smtClean="0"/>
+          </a:p>
+          <a:p>
+            <a:r>
+              <a:rPr lang="en-US" baseline="0" dirty="0" smtClean="0"/>
+              <a:t>So you can conditionally load dependencies using require</a:t>
+            </a:r>
+          </a:p>
+          <a:p>
+            <a:endParaRPr lang="en-US" baseline="0" dirty="0" smtClean="0"/>
+          </a:p>
+          <a:p>
+            <a:endParaRPr lang="en-US" dirty="0"/>
+          </a:p>
+        </p:txBody>
+      </p:sp>
+      <p:sp>
+        <p:nvSpPr>
+          <p:cNvPr id="4" name="Slide Number Placeholder 3"/>
+          <p:cNvSpPr>
+            <a:spLocks noGrp="1"/>
+          </p:cNvSpPr>
+          <p:nvPr>
+            <p:ph type="sldNum" sz="quarter" idx="10"/>
+          </p:nvPr>
+        </p:nvSpPr>
+        <p:spPr/>
+        <p:txBody>
+          <a:bodyPr/>
+          <a:lstStyle/>
+          <a:p>
+            <a:fld id="{3E7143C0-4F23-B545-9533-520B5A87CA1E}" type="slidenum">
+              <a:rPr lang="en-US" smtClean="0"/>
+              <a:pPr/>
+              <a:t>8</a:t>
+            </a:fld>
+            <a:endParaRPr lang="en-US" dirty="0"/>
+          </a:p>
+        </p:txBody>
+      </p:sp>
+    </p:spTree>
+    <p:extLst>
+      <p:ext uri="{BB962C8B-B14F-4D97-AF65-F5344CB8AC3E}">
+        <p14:creationId xmlns:p14="http://schemas.microsoft.com/office/powerpoint/2010/main" val="456000437"/>
+      </p:ext>
+    </p:extLst>
+  </p:cSld>
+  <p:clrMapOvr>
+    <a:masterClrMapping/>
+  </p:clrMapOvr>
+</p:notes>
+</file>
+
+<file path=ppt/notesSlides/notesSlide9.xml><?xml version="1.0" encoding="utf-8"?>
+<p:notes xmlns:a="http://schemas.openxmlformats.org/drawingml/2006/main" xmlns:r="http://schemas.openxmlformats.org/officeDocument/2006/relationships" xmlns:p="http://schemas.openxmlformats.org/presentationml/2006/main">
+  <p:cSld>
+    <p:spTree>
+      <p:nvGrpSpPr>
+        <p:cNvPr id="1" name=""/>
+        <p:cNvGrpSpPr/>
+        <p:nvPr/>
+      </p:nvGrpSpPr>
+      <p:grpSpPr>
+        <a:xfrm>
+          <a:off x="0" y="0"/>
+          <a:ext cx="0" cy="0"/>
+          <a:chOff x="0" y="0"/>
+          <a:chExt cx="0" cy="0"/>
+        </a:xfrm>
+      </p:grpSpPr>
+      <p:sp>
+        <p:nvSpPr>
+          <p:cNvPr id="2" name="Slide Image Placeholder 1"/>
+          <p:cNvSpPr>
+            <a:spLocks noGrp="1" noRot="1" noChangeAspect="1"/>
+          </p:cNvSpPr>
+          <p:nvPr>
+            <p:ph type="sldImg"/>
+          </p:nvPr>
+        </p:nvSpPr>
+        <p:spPr/>
+      </p:sp>
+      <p:sp>
+        <p:nvSpPr>
+          <p:cNvPr id="3" name="Notes Placeholder 2"/>
+          <p:cNvSpPr>
+            <a:spLocks noGrp="1"/>
+          </p:cNvSpPr>
+          <p:nvPr>
+            <p:ph type="body" idx="1"/>
+          </p:nvPr>
+        </p:nvSpPr>
+        <p:spPr/>
+        <p:txBody>
+          <a:bodyPr/>
+          <a:lstStyle/>
+          <a:p>
+            <a:r>
+              <a:rPr lang="en-US" dirty="0" smtClean="0"/>
+              <a:t>Created a real</a:t>
+            </a:r>
+            <a:r>
+              <a:rPr lang="en-US" baseline="0" dirty="0" smtClean="0"/>
+              <a:t> simple </a:t>
+            </a:r>
+            <a:r>
+              <a:rPr lang="en-US" baseline="0" dirty="0" err="1" smtClean="0"/>
+              <a:t>djitit</a:t>
+            </a:r>
+            <a:r>
+              <a:rPr lang="en-US" baseline="0" dirty="0" smtClean="0"/>
+              <a:t> to walk through.</a:t>
+            </a:r>
+            <a:endParaRPr lang="en-US" dirty="0" smtClean="0"/>
+          </a:p>
+          <a:p>
+            <a:endParaRPr lang="en-US" dirty="0" smtClean="0"/>
+          </a:p>
+          <a:p>
+            <a:r>
+              <a:rPr lang="en-US" dirty="0" smtClean="0"/>
+              <a:t>This </a:t>
+            </a:r>
+            <a:r>
+              <a:rPr lang="en-US" dirty="0" err="1" smtClean="0"/>
+              <a:t>dijit</a:t>
+            </a:r>
+            <a:r>
+              <a:rPr lang="en-US" dirty="0" smtClean="0"/>
+              <a:t> </a:t>
+            </a:r>
+            <a:r>
+              <a:rPr lang="en-US" baseline="0" dirty="0" smtClean="0"/>
+              <a:t>renders a button that toggles a map </a:t>
+            </a:r>
+            <a:r>
+              <a:rPr lang="en-US" baseline="0" dirty="0" err="1" smtClean="0"/>
+              <a:t>fullscreen</a:t>
+            </a:r>
+            <a:r>
+              <a:rPr lang="en-US" baseline="0" dirty="0" smtClean="0"/>
+              <a:t> using the browsers HTML5 </a:t>
+            </a:r>
+            <a:r>
+              <a:rPr lang="en-US" baseline="0" dirty="0" err="1" smtClean="0"/>
+              <a:t>fullscreen</a:t>
+            </a:r>
+            <a:r>
+              <a:rPr lang="en-US" baseline="0" dirty="0" smtClean="0"/>
+              <a:t> API.</a:t>
+            </a:r>
+          </a:p>
+          <a:p>
+            <a:endParaRPr lang="en-US" baseline="0" dirty="0" smtClean="0"/>
+          </a:p>
+          <a:p>
+            <a:r>
+              <a:rPr lang="en-US" baseline="0" dirty="0" smtClean="0"/>
+              <a:t>The only thing we’re passing into the </a:t>
+            </a:r>
+            <a:r>
+              <a:rPr lang="en-US" baseline="0" dirty="0" err="1" smtClean="0"/>
+              <a:t>Dijit</a:t>
+            </a:r>
+            <a:r>
+              <a:rPr lang="en-US" baseline="0" dirty="0" smtClean="0"/>
+              <a:t> is a ArcGIS Map object.</a:t>
+            </a:r>
+            <a:endParaRPr lang="en-US" dirty="0"/>
+          </a:p>
+        </p:txBody>
+      </p:sp>
+      <p:sp>
+        <p:nvSpPr>
+          <p:cNvPr id="4" name="Slide Number Placeholder 3"/>
+          <p:cNvSpPr>
+            <a:spLocks noGrp="1"/>
+          </p:cNvSpPr>
+          <p:nvPr>
+            <p:ph type="sldNum" sz="quarter" idx="10"/>
+          </p:nvPr>
+        </p:nvSpPr>
+        <p:spPr/>
+        <p:txBody>
+          <a:bodyPr/>
+          <a:lstStyle/>
+          <a:p>
+            <a:fld id="{3E7143C0-4F23-B545-9533-520B5A87CA1E}" type="slidenum">
+              <a:rPr lang="en-US" smtClean="0"/>
+              <a:pPr/>
+              <a:t>9</a:t>
+            </a:fld>
+            <a:endParaRPr lang="en-US" dirty="0"/>
+          </a:p>
+        </p:txBody>
+      </p:sp>
+    </p:spTree>
+    <p:extLst>
+      <p:ext uri="{BB962C8B-B14F-4D97-AF65-F5344CB8AC3E}">
+        <p14:creationId xmlns:p14="http://schemas.microsoft.com/office/powerpoint/2010/main" val="2907153658"/>
       </p:ext>
     </p:extLst>
   </p:cSld>
@@ -1731,13 +2319,13 @@
   <p:clrMapOvr>
     <a:masterClrMapping/>
   </p:clrMapOvr>
-  <p:transition spd="med">
+  <p:transition xmlns:p14="http://schemas.microsoft.com/office/powerpoint/2010/main" spd="med">
     <p:fade/>
   </p:transition>
   <p:timing>
     <p:tnLst>
       <p:par>
-        <p:cTn id="1" dur="indefinite" restart="never" nodeType="tmRoot"/>
+        <p:cTn xmlns:p14="http://schemas.microsoft.com/office/powerpoint/2010/main" id="1" dur="indefinite" restart="never" nodeType="tmRoot"/>
       </p:par>
     </p:tnLst>
   </p:timing>
@@ -2475,13 +3063,13 @@
   <p:clrMapOvr>
     <a:masterClrMapping/>
   </p:clrMapOvr>
-  <p:transition spd="med">
+  <p:transition xmlns:p14="http://schemas.microsoft.com/office/powerpoint/2010/main" spd="med">
     <p:fade/>
   </p:transition>
   <p:timing>
     <p:tnLst>
       <p:par>
-        <p:cTn id="1" dur="indefinite" restart="never" nodeType="tmRoot"/>
+        <p:cTn xmlns:p14="http://schemas.microsoft.com/office/powerpoint/2010/main" id="1" dur="indefinite" restart="never" nodeType="tmRoot"/>
       </p:par>
     </p:tnLst>
   </p:timing>
@@ -2569,13 +3157,13 @@
   <p:clrMapOvr>
     <a:overrideClrMapping bg1="dk1" tx1="lt1" bg2="dk2" tx2="lt2" accent1="accent1" accent2="accent2" accent3="accent3" accent4="accent4" accent5="accent5" accent6="accent6" hlink="hlink" folHlink="folHlink"/>
   </p:clrMapOvr>
-  <p:transition spd="med">
+  <p:transition xmlns:p14="http://schemas.microsoft.com/office/powerpoint/2010/main" spd="med">
     <p:fade/>
   </p:transition>
   <p:timing>
     <p:tnLst>
       <p:par>
-        <p:cTn id="1" dur="indefinite" restart="never" nodeType="tmRoot"/>
+        <p:cTn xmlns:p14="http://schemas.microsoft.com/office/powerpoint/2010/main" id="1" dur="indefinite" restart="never" nodeType="tmRoot"/>
       </p:par>
     </p:tnLst>
   </p:timing>
@@ -2927,13 +3515,13 @@
   <p:clrMapOvr>
     <a:masterClrMapping/>
   </p:clrMapOvr>
-  <p:transition spd="med">
+  <p:transition xmlns:p14="http://schemas.microsoft.com/office/powerpoint/2010/main" spd="med">
     <p:fade/>
   </p:transition>
   <p:timing>
     <p:tnLst>
       <p:par>
-        <p:cTn id="1" dur="indefinite" restart="never" nodeType="tmRoot"/>
+        <p:cTn xmlns:p14="http://schemas.microsoft.com/office/powerpoint/2010/main" id="1" dur="indefinite" restart="never" nodeType="tmRoot"/>
       </p:par>
     </p:tnLst>
   </p:timing>
@@ -3073,13 +3661,13 @@
   <p:clrMapOvr>
     <a:masterClrMapping/>
   </p:clrMapOvr>
-  <p:transition spd="med">
+  <p:transition xmlns:p14="http://schemas.microsoft.com/office/powerpoint/2010/main" spd="med">
     <p:fade/>
   </p:transition>
   <p:timing>
     <p:tnLst>
       <p:par>
-        <p:cTn id="1" dur="indefinite" restart="never" nodeType="tmRoot"/>
+        <p:cTn xmlns:p14="http://schemas.microsoft.com/office/powerpoint/2010/main" id="1" dur="indefinite" restart="never" nodeType="tmRoot"/>
       </p:par>
     </p:tnLst>
   </p:timing>
@@ -3218,13 +3806,13 @@
   <p:clrMapOvr>
     <a:masterClrMapping/>
   </p:clrMapOvr>
-  <p:transition spd="med">
+  <p:transition xmlns:p14="http://schemas.microsoft.com/office/powerpoint/2010/main" spd="med">
     <p:fade/>
   </p:transition>
   <p:timing>
     <p:tnLst>
       <p:par>
-        <p:cTn id="1" dur="indefinite" restart="never" nodeType="tmRoot"/>
+        <p:cTn xmlns:p14="http://schemas.microsoft.com/office/powerpoint/2010/main" id="1" dur="indefinite" restart="never" nodeType="tmRoot"/>
       </p:par>
     </p:tnLst>
   </p:timing>
@@ -3442,13 +4030,13 @@
   <p:clrMapOvr>
     <a:masterClrMapping/>
   </p:clrMapOvr>
-  <p:transition spd="med">
+  <p:transition xmlns:p14="http://schemas.microsoft.com/office/powerpoint/2010/main" spd="med">
     <p:fade/>
   </p:transition>
   <p:timing>
     <p:tnLst>
       <p:par>
-        <p:cTn id="1" dur="indefinite" restart="never" nodeType="tmRoot"/>
+        <p:cTn xmlns:p14="http://schemas.microsoft.com/office/powerpoint/2010/main" id="1" dur="indefinite" restart="never" nodeType="tmRoot"/>
       </p:par>
     </p:tnLst>
   </p:timing>
@@ -3592,13 +4180,13 @@
   <p:clrMapOvr>
     <a:masterClrMapping/>
   </p:clrMapOvr>
-  <p:transition spd="med">
+  <p:transition xmlns:p14="http://schemas.microsoft.com/office/powerpoint/2010/main" spd="med">
     <p:fade/>
   </p:transition>
   <p:timing>
     <p:tnLst>
       <p:par>
-        <p:cTn id="1" dur="indefinite" restart="never" nodeType="tmRoot"/>
+        <p:cTn xmlns:p14="http://schemas.microsoft.com/office/powerpoint/2010/main" id="1" dur="indefinite" restart="never" nodeType="tmRoot"/>
       </p:par>
     </p:tnLst>
   </p:timing>
@@ -3677,13 +4265,13 @@
   <p:clrMapOvr>
     <a:masterClrMapping/>
   </p:clrMapOvr>
-  <p:transition spd="med">
+  <p:transition xmlns:p14="http://schemas.microsoft.com/office/powerpoint/2010/main" spd="med">
     <p:fade/>
   </p:transition>
   <p:timing>
     <p:tnLst>
       <p:par>
-        <p:cTn id="1" dur="indefinite" restart="never" nodeType="tmRoot"/>
+        <p:cTn xmlns:p14="http://schemas.microsoft.com/office/powerpoint/2010/main" id="1" dur="indefinite" restart="never" nodeType="tmRoot"/>
       </p:par>
     </p:tnLst>
   </p:timing>
@@ -3767,13 +4355,13 @@
   <p:clrMapOvr>
     <a:masterClrMapping/>
   </p:clrMapOvr>
-  <p:transition spd="med">
+  <p:transition xmlns:p14="http://schemas.microsoft.com/office/powerpoint/2010/main" spd="med">
     <p:fade/>
   </p:transition>
   <p:timing>
     <p:tnLst>
       <p:par>
-        <p:cTn id="1" dur="indefinite" restart="never" nodeType="tmRoot"/>
+        <p:cTn xmlns:p14="http://schemas.microsoft.com/office/powerpoint/2010/main" id="1" dur="indefinite" restart="never" nodeType="tmRoot"/>
       </p:par>
     </p:tnLst>
   </p:timing>
@@ -4011,13 +4599,13 @@
   <p:clrMapOvr>
     <a:masterClrMapping/>
   </p:clrMapOvr>
-  <p:transition spd="med">
+  <p:transition xmlns:p14="http://schemas.microsoft.com/office/powerpoint/2010/main" spd="med">
     <p:fade/>
   </p:transition>
   <p:timing>
     <p:tnLst>
       <p:par>
-        <p:cTn id="1" dur="indefinite" restart="never" nodeType="tmRoot"/>
+        <p:cTn xmlns:p14="http://schemas.microsoft.com/office/powerpoint/2010/main" id="1" dur="indefinite" restart="never" nodeType="tmRoot"/>
       </p:par>
     </p:tnLst>
   </p:timing>
@@ -4111,13 +4699,13 @@
   <p:clrMapOvr>
     <a:masterClrMapping/>
   </p:clrMapOvr>
-  <p:transition spd="med">
+  <p:transition xmlns:p14="http://schemas.microsoft.com/office/powerpoint/2010/main" spd="med">
     <p:fade/>
   </p:transition>
   <p:timing>
     <p:tnLst>
       <p:par>
-        <p:cTn id="1" dur="indefinite" restart="never" nodeType="tmRoot"/>
+        <p:cTn xmlns:p14="http://schemas.microsoft.com/office/powerpoint/2010/main" id="1" dur="indefinite" restart="never" nodeType="tmRoot"/>
       </p:par>
     </p:tnLst>
   </p:timing>
@@ -4216,13 +4804,13 @@
   <p:clrMapOvr>
     <a:masterClrMapping/>
   </p:clrMapOvr>
-  <p:transition spd="med">
+  <p:transition xmlns:p14="http://schemas.microsoft.com/office/powerpoint/2010/main" spd="med">
     <p:fade/>
   </p:transition>
   <p:timing>
     <p:tnLst>
       <p:par>
-        <p:cTn id="1" dur="indefinite" restart="never" nodeType="tmRoot"/>
+        <p:cTn xmlns:p14="http://schemas.microsoft.com/office/powerpoint/2010/main" id="1" dur="indefinite" restart="never" nodeType="tmRoot"/>
       </p:par>
     </p:tnLst>
   </p:timing>
@@ -4386,13 +4974,13 @@
   <p:clrMapOvr>
     <a:masterClrMapping/>
   </p:clrMapOvr>
-  <p:transition spd="med">
+  <p:transition xmlns:p14="http://schemas.microsoft.com/office/powerpoint/2010/main" spd="med">
     <p:fade/>
   </p:transition>
   <p:timing>
     <p:tnLst>
       <p:par>
-        <p:cTn id="1" dur="indefinite" restart="never" nodeType="tmRoot"/>
+        <p:cTn xmlns:p14="http://schemas.microsoft.com/office/powerpoint/2010/main" id="1" dur="indefinite" restart="never" nodeType="tmRoot"/>
       </p:par>
     </p:tnLst>
   </p:timing>
@@ -4603,13 +5191,13 @@
   <p:clrMapOvr>
     <a:masterClrMapping/>
   </p:clrMapOvr>
-  <p:transition spd="med">
+  <p:transition xmlns:p14="http://schemas.microsoft.com/office/powerpoint/2010/main" spd="med">
     <p:fade/>
   </p:transition>
   <p:timing>
     <p:tnLst>
       <p:par>
-        <p:cTn id="1" dur="indefinite" restart="never" nodeType="tmRoot"/>
+        <p:cTn xmlns:p14="http://schemas.microsoft.com/office/powerpoint/2010/main" id="1" dur="indefinite" restart="never" nodeType="tmRoot"/>
       </p:par>
     </p:tnLst>
   </p:timing>
@@ -4893,13 +5481,13 @@
   <p:clrMapOvr>
     <a:masterClrMapping/>
   </p:clrMapOvr>
-  <p:transition spd="med">
+  <p:transition xmlns:p14="http://schemas.microsoft.com/office/powerpoint/2010/main" spd="med">
     <p:fade/>
   </p:transition>
   <p:timing>
     <p:tnLst>
       <p:par>
-        <p:cTn id="1" dur="indefinite" restart="never" nodeType="tmRoot"/>
+        <p:cTn xmlns:p14="http://schemas.microsoft.com/office/powerpoint/2010/main" id="1" dur="indefinite" restart="never" nodeType="tmRoot"/>
       </p:par>
     </p:tnLst>
   </p:timing>
@@ -4956,13 +5544,13 @@
   <p:clrMapOvr>
     <a:masterClrMapping/>
   </p:clrMapOvr>
-  <p:transition spd="med">
+  <p:transition xmlns:p14="http://schemas.microsoft.com/office/powerpoint/2010/main" spd="med">
     <p:fade/>
   </p:transition>
   <p:timing>
     <p:tnLst>
       <p:par>
-        <p:cTn id="1" dur="indefinite" restart="never" nodeType="tmRoot"/>
+        <p:cTn xmlns:p14="http://schemas.microsoft.com/office/powerpoint/2010/main" id="1" dur="indefinite" restart="never" nodeType="tmRoot"/>
       </p:par>
     </p:tnLst>
   </p:timing>
@@ -5023,13 +5611,13 @@
   <p:clrMapOvr>
     <a:masterClrMapping/>
   </p:clrMapOvr>
-  <p:transition spd="med">
+  <p:transition xmlns:p14="http://schemas.microsoft.com/office/powerpoint/2010/main" spd="med">
     <p:fade/>
   </p:transition>
   <p:timing>
     <p:tnLst>
       <p:par>
-        <p:cTn id="1" dur="indefinite" restart="never" nodeType="tmRoot"/>
+        <p:cTn xmlns:p14="http://schemas.microsoft.com/office/powerpoint/2010/main" id="1" dur="indefinite" restart="never" nodeType="tmRoot"/>
       </p:par>
     </p:tnLst>
   </p:timing>
@@ -5063,13 +5651,13 @@
   <p:clrMapOvr>
     <a:masterClrMapping/>
   </p:clrMapOvr>
-  <p:transition spd="med">
+  <p:transition xmlns:p14="http://schemas.microsoft.com/office/powerpoint/2010/main" spd="med">
     <p:fade/>
   </p:transition>
   <p:timing>
     <p:tnLst>
       <p:par>
-        <p:cTn id="1" dur="indefinite" restart="never" nodeType="tmRoot"/>
+        <p:cTn xmlns:p14="http://schemas.microsoft.com/office/powerpoint/2010/main" id="1" dur="indefinite" restart="never" nodeType="tmRoot"/>
       </p:par>
     </p:tnLst>
   </p:timing>
@@ -5439,13 +6027,13 @@
   <p:clrMapOvr>
     <a:masterClrMapping/>
   </p:clrMapOvr>
-  <p:transition spd="med">
+  <p:transition xmlns:p14="http://schemas.microsoft.com/office/powerpoint/2010/main" spd="med">
     <p:fade/>
   </p:transition>
   <p:timing>
     <p:tnLst>
       <p:par>
-        <p:cTn id="1" dur="indefinite" restart="never" nodeType="tmRoot"/>
+        <p:cTn xmlns:p14="http://schemas.microsoft.com/office/powerpoint/2010/main" id="1" dur="indefinite" restart="never" nodeType="tmRoot"/>
       </p:par>
     </p:tnLst>
   </p:timing>
@@ -5970,13 +6558,13 @@
   <p:clrMapOvr>
     <a:masterClrMapping/>
   </p:clrMapOvr>
-  <p:transition spd="med">
+  <p:transition xmlns:p14="http://schemas.microsoft.com/office/powerpoint/2010/main" spd="med">
     <p:fade/>
   </p:transition>
   <p:timing>
     <p:tnLst>
       <p:par>
-        <p:cTn id="1" dur="indefinite" restart="never" nodeType="tmRoot"/>
+        <p:cTn xmlns:p14="http://schemas.microsoft.com/office/powerpoint/2010/main" id="1" dur="indefinite" restart="never" nodeType="tmRoot"/>
       </p:par>
     </p:tnLst>
   </p:timing>
@@ -6064,13 +6652,13 @@
   <p:clrMapOvr>
     <a:overrideClrMapping bg1="dk1" tx1="lt1" bg2="dk2" tx2="lt2" accent1="accent1" accent2="accent2" accent3="accent3" accent4="accent4" accent5="accent5" accent6="accent6" hlink="hlink" folHlink="folHlink"/>
   </p:clrMapOvr>
-  <p:transition spd="med">
+  <p:transition xmlns:p14="http://schemas.microsoft.com/office/powerpoint/2010/main" spd="med">
     <p:fade/>
   </p:transition>
   <p:timing>
     <p:tnLst>
       <p:par>
-        <p:cTn id="1" dur="indefinite" restart="never" nodeType="tmRoot"/>
+        <p:cTn xmlns:p14="http://schemas.microsoft.com/office/powerpoint/2010/main" id="1" dur="indefinite" restart="never" nodeType="tmRoot"/>
       </p:par>
     </p:tnLst>
   </p:timing>
@@ -6232,13 +6820,13 @@
   <p:clrMapOvr>
     <a:masterClrMapping/>
   </p:clrMapOvr>
-  <p:transition spd="med">
+  <p:transition xmlns:p14="http://schemas.microsoft.com/office/powerpoint/2010/main" spd="med">
     <p:fade/>
   </p:transition>
   <p:timing>
     <p:tnLst>
       <p:par>
-        <p:cTn id="1" dur="indefinite" restart="never" nodeType="tmRoot"/>
+        <p:cTn xmlns:p14="http://schemas.microsoft.com/office/powerpoint/2010/main" id="1" dur="indefinite" restart="never" nodeType="tmRoot"/>
       </p:par>
     </p:tnLst>
   </p:timing>
@@ -6590,13 +7178,13 @@
   <p:clrMapOvr>
     <a:masterClrMapping/>
   </p:clrMapOvr>
-  <p:transition spd="med">
+  <p:transition xmlns:p14="http://schemas.microsoft.com/office/powerpoint/2010/main" spd="med">
     <p:fade/>
   </p:transition>
   <p:timing>
     <p:tnLst>
       <p:par>
-        <p:cTn id="1" dur="indefinite" restart="never" nodeType="tmRoot"/>
+        <p:cTn xmlns:p14="http://schemas.microsoft.com/office/powerpoint/2010/main" id="1" dur="indefinite" restart="never" nodeType="tmRoot"/>
       </p:par>
     </p:tnLst>
   </p:timing>
@@ -6733,13 +7321,13 @@
   <p:clrMapOvr>
     <a:masterClrMapping/>
   </p:clrMapOvr>
-  <p:transition spd="med">
+  <p:transition xmlns:p14="http://schemas.microsoft.com/office/powerpoint/2010/main" spd="med">
     <p:fade/>
   </p:transition>
   <p:timing>
     <p:tnLst>
       <p:par>
-        <p:cTn id="1" dur="indefinite" restart="never" nodeType="tmRoot"/>
+        <p:cTn xmlns:p14="http://schemas.microsoft.com/office/powerpoint/2010/main" id="1" dur="indefinite" restart="never" nodeType="tmRoot"/>
       </p:par>
     </p:tnLst>
   </p:timing>
@@ -6875,13 +7463,13 @@
   <p:clrMapOvr>
     <a:masterClrMapping/>
   </p:clrMapOvr>
-  <p:transition spd="med">
+  <p:transition xmlns:p14="http://schemas.microsoft.com/office/powerpoint/2010/main" spd="med">
     <p:fade/>
   </p:transition>
   <p:timing>
     <p:tnLst>
       <p:par>
-        <p:cTn id="1" dur="indefinite" restart="never" nodeType="tmRoot"/>
+        <p:cTn xmlns:p14="http://schemas.microsoft.com/office/powerpoint/2010/main" id="1" dur="indefinite" restart="never" nodeType="tmRoot"/>
       </p:par>
     </p:tnLst>
   </p:timing>
@@ -7099,13 +7687,13 @@
   <p:clrMapOvr>
     <a:masterClrMapping/>
   </p:clrMapOvr>
-  <p:transition spd="med">
+  <p:transition xmlns:p14="http://schemas.microsoft.com/office/powerpoint/2010/main" spd="med">
     <p:fade/>
   </p:transition>
   <p:timing>
     <p:tnLst>
       <p:par>
-        <p:cTn id="1" dur="indefinite" restart="never" nodeType="tmRoot"/>
+        <p:cTn xmlns:p14="http://schemas.microsoft.com/office/powerpoint/2010/main" id="1" dur="indefinite" restart="never" nodeType="tmRoot"/>
       </p:par>
     </p:tnLst>
   </p:timing>
@@ -7249,13 +7837,13 @@
   <p:clrMapOvr>
     <a:masterClrMapping/>
   </p:clrMapOvr>
-  <p:transition spd="med">
+  <p:transition xmlns:p14="http://schemas.microsoft.com/office/powerpoint/2010/main" spd="med">
     <p:fade/>
   </p:transition>
   <p:timing>
     <p:tnLst>
       <p:par>
-        <p:cTn id="1" dur="indefinite" restart="never" nodeType="tmRoot"/>
+        <p:cTn xmlns:p14="http://schemas.microsoft.com/office/powerpoint/2010/main" id="1" dur="indefinite" restart="never" nodeType="tmRoot"/>
       </p:par>
     </p:tnLst>
   </p:timing>
@@ -7337,13 +7925,13 @@
   <p:clrMapOvr>
     <a:masterClrMapping/>
   </p:clrMapOvr>
-  <p:transition spd="med">
+  <p:transition xmlns:p14="http://schemas.microsoft.com/office/powerpoint/2010/main" spd="med">
     <p:fade/>
   </p:transition>
   <p:timing>
     <p:tnLst>
       <p:par>
-        <p:cTn id="1" dur="indefinite" restart="never" nodeType="tmRoot"/>
+        <p:cTn xmlns:p14="http://schemas.microsoft.com/office/powerpoint/2010/main" id="1" dur="indefinite" restart="never" nodeType="tmRoot"/>
       </p:par>
     </p:tnLst>
   </p:timing>
@@ -7407,13 +7995,13 @@
   <p:clrMapOvr>
     <a:masterClrMapping/>
   </p:clrMapOvr>
-  <p:transition spd="med">
+  <p:transition xmlns:p14="http://schemas.microsoft.com/office/powerpoint/2010/main" spd="med">
     <p:fade/>
   </p:transition>
   <p:timing>
     <p:tnLst>
       <p:par>
-        <p:cTn id="1" dur="indefinite" restart="never" nodeType="tmRoot"/>
+        <p:cTn xmlns:p14="http://schemas.microsoft.com/office/powerpoint/2010/main" id="1" dur="indefinite" restart="never" nodeType="tmRoot"/>
       </p:par>
     </p:tnLst>
   </p:timing>
@@ -7619,13 +8207,13 @@
   <p:clrMapOvr>
     <a:masterClrMapping/>
   </p:clrMapOvr>
-  <p:transition spd="med">
+  <p:transition xmlns:p14="http://schemas.microsoft.com/office/powerpoint/2010/main" spd="med">
     <p:fade/>
   </p:transition>
   <p:timing>
     <p:tnLst>
       <p:par>
-        <p:cTn id="1" dur="indefinite" restart="never" nodeType="tmRoot"/>
+        <p:cTn xmlns:p14="http://schemas.microsoft.com/office/powerpoint/2010/main" id="1" dur="indefinite" restart="never" nodeType="tmRoot"/>
       </p:par>
     </p:tnLst>
   </p:timing>
@@ -7904,13 +8492,13 @@
   <p:clrMapOvr>
     <a:masterClrMapping/>
   </p:clrMapOvr>
-  <p:transition spd="med">
+  <p:transition xmlns:p14="http://schemas.microsoft.com/office/powerpoint/2010/main" spd="med">
     <p:fade/>
   </p:transition>
   <p:timing>
     <p:tnLst>
       <p:par>
-        <p:cTn id="1" dur="indefinite" restart="never" nodeType="tmRoot"/>
+        <p:cTn xmlns:p14="http://schemas.microsoft.com/office/powerpoint/2010/main" id="1" dur="indefinite" restart="never" nodeType="tmRoot"/>
       </p:par>
     </p:tnLst>
   </p:timing>
@@ -7962,13 +8550,13 @@
   <p:clrMapOvr>
     <a:masterClrMapping/>
   </p:clrMapOvr>
-  <p:transition spd="med">
+  <p:transition xmlns:p14="http://schemas.microsoft.com/office/powerpoint/2010/main" spd="med">
     <p:fade/>
   </p:transition>
   <p:timing>
     <p:tnLst>
       <p:par>
-        <p:cTn id="1" dur="indefinite" restart="never" nodeType="tmRoot"/>
+        <p:cTn xmlns:p14="http://schemas.microsoft.com/office/powerpoint/2010/main" id="1" dur="indefinite" restart="never" nodeType="tmRoot"/>
       </p:par>
     </p:tnLst>
   </p:timing>
@@ -8024,13 +8612,13 @@
   <p:clrMapOvr>
     <a:masterClrMapping/>
   </p:clrMapOvr>
-  <p:transition spd="med">
+  <p:transition xmlns:p14="http://schemas.microsoft.com/office/powerpoint/2010/main" spd="med">
     <p:fade/>
   </p:transition>
   <p:timing>
     <p:tnLst>
       <p:par>
-        <p:cTn id="1" dur="indefinite" restart="never" nodeType="tmRoot"/>
+        <p:cTn xmlns:p14="http://schemas.microsoft.com/office/powerpoint/2010/main" id="1" dur="indefinite" restart="never" nodeType="tmRoot"/>
       </p:par>
     </p:tnLst>
   </p:timing>
@@ -8059,13 +8647,13 @@
   <p:clrMapOvr>
     <a:masterClrMapping/>
   </p:clrMapOvr>
-  <p:transition spd="med">
+  <p:transition xmlns:p14="http://schemas.microsoft.com/office/powerpoint/2010/main" spd="med">
     <p:fade/>
   </p:transition>
   <p:timing>
     <p:tnLst>
       <p:par>
-        <p:cTn id="1" dur="indefinite" restart="never" nodeType="tmRoot"/>
+        <p:cTn xmlns:p14="http://schemas.microsoft.com/office/powerpoint/2010/main" id="1" dur="indefinite" restart="never" nodeType="tmRoot"/>
       </p:par>
     </p:tnLst>
   </p:timing>
@@ -8648,13 +9236,13 @@
   <p:clrMapOvr>
     <a:masterClrMapping/>
   </p:clrMapOvr>
-  <p:transition spd="med">
+  <p:transition xmlns:p14="http://schemas.microsoft.com/office/powerpoint/2010/main" spd="med">
     <p:fade/>
   </p:transition>
   <p:timing>
     <p:tnLst>
       <p:par>
-        <p:cTn id="1" dur="indefinite" restart="never" nodeType="tmRoot"/>
+        <p:cTn xmlns:p14="http://schemas.microsoft.com/office/powerpoint/2010/main" id="1" dur="indefinite" restart="never" nodeType="tmRoot"/>
       </p:par>
     </p:tnLst>
   </p:timing>
@@ -8803,13 +9391,13 @@
     <p:sldLayoutId id="2147486410" r:id="rId17"/>
     <p:sldLayoutId id="2147486411" r:id="rId18"/>
   </p:sldLayoutIdLst>
-  <p:transition spd="med">
+  <p:transition xmlns:p14="http://schemas.microsoft.com/office/powerpoint/2010/main" spd="med">
     <p:fade/>
   </p:transition>
   <p:timing>
     <p:tnLst>
       <p:par>
-        <p:cTn id="1" dur="indefinite" restart="never" nodeType="tmRoot"/>
+        <p:cTn xmlns:p14="http://schemas.microsoft.com/office/powerpoint/2010/main" id="1" dur="indefinite" restart="never" nodeType="tmRoot"/>
       </p:par>
     </p:tnLst>
   </p:timing>
@@ -9309,13 +9897,13 @@
     <p:sldLayoutId id="2147486429" r:id="rId17"/>
     <p:sldLayoutId id="2147486430" r:id="rId18"/>
   </p:sldLayoutIdLst>
-  <p:transition spd="med">
+  <p:transition xmlns:p14="http://schemas.microsoft.com/office/powerpoint/2010/main" spd="med">
     <p:fade/>
   </p:transition>
   <p:timing>
     <p:tnLst>
       <p:par>
-        <p:cTn id="1" dur="indefinite" restart="never" nodeType="tmRoot"/>
+        <p:cTn xmlns:p14="http://schemas.microsoft.com/office/powerpoint/2010/main" id="1" dur="indefinite" restart="never" nodeType="tmRoot"/>
       </p:par>
     </p:tnLst>
   </p:timing>
@@ -9711,7 +10299,7 @@
           <a:noFill/>
           <a:extLst>
             <a:ext uri="{909E8E84-426E-40dd-AFC4-6F175D3DCCD1}">
-              <a14:hiddenFill xmlns="" xmlns:a14="http://schemas.microsoft.com/office/drawing/2010/main">
+              <a14:hiddenFill xmlns:a14="http://schemas.microsoft.com/office/drawing/2010/main">
                 <a:solidFill>
                   <a:srgbClr val="FFFFFF"/>
                 </a:solidFill>
@@ -9862,13 +10450,13 @@
   <p:clrMapOvr>
     <a:masterClrMapping/>
   </p:clrMapOvr>
-  <p:transition spd="med">
+  <p:transition xmlns:p14="http://schemas.microsoft.com/office/powerpoint/2010/main" spd="med">
     <p:fade/>
   </p:transition>
   <p:timing>
     <p:tnLst>
       <p:par>
-        <p:cTn id="1" dur="indefinite" restart="never" nodeType="tmRoot"/>
+        <p:cTn xmlns:p14="http://schemas.microsoft.com/office/powerpoint/2010/main" id="1" dur="indefinite" restart="never" nodeType="tmRoot"/>
       </p:par>
     </p:tnLst>
   </p:timing>
@@ -9894,33 +10482,92 @@
       </p:grpSpPr>
       <p:sp>
         <p:nvSpPr>
-          <p:cNvPr id="5" name="Content Placeholder 4"/>
+          <p:cNvPr id="2" name="Title 1"/>
           <p:cNvSpPr>
             <a:spLocks noGrp="1"/>
           </p:cNvSpPr>
           <p:nvPr>
+            <p:ph type="title"/>
+          </p:nvPr>
+        </p:nvSpPr>
+        <p:spPr/>
+        <p:txBody>
+          <a:bodyPr/>
+          <a:lstStyle/>
+          <a:p>
+            <a:r>
+              <a:rPr lang="en-US" dirty="0" smtClean="0"/>
+              <a:t>Converting legacy code tips</a:t>
+            </a:r>
+            <a:endParaRPr lang="en-US" dirty="0"/>
+          </a:p>
+        </p:txBody>
+      </p:sp>
+      <p:sp>
+        <p:nvSpPr>
+          <p:cNvPr id="3" name="Content Placeholder 2"/>
+          <p:cNvSpPr>
+            <a:spLocks noGrp="1"/>
+          </p:cNvSpPr>
+          <p:nvPr>
             <p:ph sz="quarter" idx="10"/>
           </p:nvPr>
         </p:nvSpPr>
-        <p:spPr>
-          <a:xfrm>
-            <a:off x="3136232" y="684213"/>
-            <a:ext cx="2871536" cy="5489575"/>
-          </a:xfrm>
-        </p:spPr>
-        <p:txBody>
-          <a:bodyPr numCol="2"/>
+        <p:spPr/>
+        <p:txBody>
+          <a:bodyPr/>
           <a:lstStyle/>
           <a:p>
-            <a:pPr marL="0" indent="0">
-              <a:buNone/>
-            </a:pPr>
-            <a:r>
-              <a:rPr lang="en-US" sz="36000" dirty="0">
-                <a:latin typeface="Helvetica"/>
-                <a:cs typeface="Helvetica"/>
-              </a:rPr>
-              <a:t>?</a:t>
+            <a:r>
+              <a:rPr lang="en-US" dirty="0" smtClean="0"/>
+              <a:t>Refer back to the latest Dojo API</a:t>
+            </a:r>
+          </a:p>
+          <a:p>
+            <a:pPr lvl="1"/>
+            <a:r>
+              <a:rPr lang="en-US" dirty="0" smtClean="0"/>
+              <a:t>Some functions deprecated or replaced</a:t>
+            </a:r>
+          </a:p>
+          <a:p>
+            <a:pPr lvl="2"/>
+            <a:r>
+              <a:rPr lang="en-US" dirty="0" smtClean="0"/>
+              <a:t>Use newer Dojo functions if available</a:t>
+            </a:r>
+          </a:p>
+          <a:p>
+            <a:pPr lvl="1"/>
+            <a:r>
+              <a:rPr lang="en-US" dirty="0" smtClean="0"/>
+              <a:t>Use new event handling with on()</a:t>
+            </a:r>
+          </a:p>
+          <a:p>
+            <a:pPr lvl="1"/>
+            <a:r>
+              <a:rPr lang="en-US" dirty="0" smtClean="0"/>
+              <a:t>Get/Set widget properties with .get() and .set()</a:t>
+            </a:r>
+            <a:endParaRPr lang="en-US" dirty="0"/>
+          </a:p>
+          <a:p>
+            <a:pPr lvl="1"/>
+            <a:r>
+              <a:rPr lang="en-US" dirty="0"/>
+              <a:t>w</a:t>
+            </a:r>
+            <a:r>
+              <a:rPr lang="en-US" dirty="0" smtClean="0"/>
+              <a:t>atch() widget properties and call update functions</a:t>
+            </a:r>
+          </a:p>
+          <a:p>
+            <a:pPr lvl="1"/>
+            <a:r>
+              <a:rPr lang="en-US" dirty="0" smtClean="0"/>
+              <a:t>Always check the current Dojo API to see if the function has been deprecated/replaced.</a:t>
             </a:r>
           </a:p>
         </p:txBody>
@@ -9928,20 +10575,20 @@
     </p:spTree>
     <p:extLst>
       <p:ext uri="{BB962C8B-B14F-4D97-AF65-F5344CB8AC3E}">
-        <p14:creationId xmlns:p14="http://schemas.microsoft.com/office/powerpoint/2010/main" val="5966293"/>
+        <p14:creationId xmlns:p14="http://schemas.microsoft.com/office/powerpoint/2010/main" val="640490585"/>
       </p:ext>
     </p:extLst>
   </p:cSld>
   <p:clrMapOvr>
     <a:masterClrMapping/>
   </p:clrMapOvr>
-  <p:transition spd="med">
+  <p:transition xmlns:p14="http://schemas.microsoft.com/office/powerpoint/2010/main" spd="med">
     <p:fade/>
   </p:transition>
   <p:timing>
     <p:tnLst>
       <p:par>
-        <p:cTn id="1" dur="indefinite" restart="never" nodeType="tmRoot"/>
+        <p:cTn xmlns:p14="http://schemas.microsoft.com/office/powerpoint/2010/main" id="1" dur="indefinite" restart="never" nodeType="tmRoot"/>
       </p:par>
     </p:tnLst>
   </p:timing>
@@ -9967,6 +10614,79 @@
       </p:grpSpPr>
       <p:sp>
         <p:nvSpPr>
+          <p:cNvPr id="5" name="Content Placeholder 4"/>
+          <p:cNvSpPr>
+            <a:spLocks noGrp="1"/>
+          </p:cNvSpPr>
+          <p:nvPr>
+            <p:ph sz="quarter" idx="10"/>
+          </p:nvPr>
+        </p:nvSpPr>
+        <p:spPr>
+          <a:xfrm>
+            <a:off x="3136232" y="684213"/>
+            <a:ext cx="2871536" cy="5489575"/>
+          </a:xfrm>
+        </p:spPr>
+        <p:txBody>
+          <a:bodyPr numCol="2"/>
+          <a:lstStyle/>
+          <a:p>
+            <a:pPr marL="0" indent="0">
+              <a:buNone/>
+            </a:pPr>
+            <a:r>
+              <a:rPr lang="en-US" sz="36000" dirty="0">
+                <a:latin typeface="Helvetica"/>
+                <a:cs typeface="Helvetica"/>
+              </a:rPr>
+              <a:t>?</a:t>
+            </a:r>
+          </a:p>
+        </p:txBody>
+      </p:sp>
+    </p:spTree>
+    <p:extLst>
+      <p:ext uri="{BB962C8B-B14F-4D97-AF65-F5344CB8AC3E}">
+        <p14:creationId xmlns:p14="http://schemas.microsoft.com/office/powerpoint/2010/main" val="5966293"/>
+      </p:ext>
+    </p:extLst>
+  </p:cSld>
+  <p:clrMapOvr>
+    <a:masterClrMapping/>
+  </p:clrMapOvr>
+  <p:transition xmlns:p14="http://schemas.microsoft.com/office/powerpoint/2010/main" spd="med">
+    <p:fade/>
+  </p:transition>
+  <p:timing>
+    <p:tnLst>
+      <p:par>
+        <p:cTn xmlns:p14="http://schemas.microsoft.com/office/powerpoint/2010/main" id="1" dur="indefinite" restart="never" nodeType="tmRoot"/>
+      </p:par>
+    </p:tnLst>
+  </p:timing>
+</p:sld>
+</file>
+
+<file path=ppt/slides/slide12.xml><?xml version="1.0" encoding="utf-8"?>
+<p:sld xmlns:a="http://schemas.openxmlformats.org/drawingml/2006/main" xmlns:r="http://schemas.openxmlformats.org/officeDocument/2006/relationships" xmlns:p="http://schemas.openxmlformats.org/presentationml/2006/main">
+  <p:cSld>
+    <p:spTree>
+      <p:nvGrpSpPr>
+        <p:cNvPr id="1" name=""/>
+        <p:cNvGrpSpPr/>
+        <p:nvPr/>
+      </p:nvGrpSpPr>
+      <p:grpSpPr>
+        <a:xfrm>
+          <a:off x="0" y="0"/>
+          <a:ext cx="0" cy="0"/>
+          <a:chOff x="0" y="0"/>
+          <a:chExt cx="0" cy="0"/>
+        </a:xfrm>
+      </p:grpSpPr>
+      <p:sp>
+        <p:nvSpPr>
           <p:cNvPr id="2" name="TextBox 1"/>
           <p:cNvSpPr txBox="1"/>
           <p:nvPr/>
@@ -10087,7 +10807,7 @@
   <p:clrMapOvr>
     <a:masterClrMapping/>
   </p:clrMapOvr>
-  <p:transition spd="med">
+  <p:transition xmlns:p14="http://schemas.microsoft.com/office/powerpoint/2010/main" spd="med">
     <p:fade/>
   </p:transition>
 </p:sld>
@@ -10197,7 +10917,7 @@
   <p:clrMapOvr>
     <a:masterClrMapping/>
   </p:clrMapOvr>
-  <p:transition spd="med">
+  <p:transition xmlns:p14="http://schemas.microsoft.com/office/powerpoint/2010/main" spd="med">
     <p:fade/>
   </p:transition>
 </p:sld>
@@ -10342,7 +11062,7 @@
   <p:clrMapOvr>
     <a:masterClrMapping/>
   </p:clrMapOvr>
-  <p:transition spd="med">
+  <p:transition xmlns:p14="http://schemas.microsoft.com/office/powerpoint/2010/main" spd="med">
     <p:fade/>
   </p:transition>
 </p:sld>
@@ -10382,53 +11102,110 @@
           <a:p>
             <a:r>
               <a:rPr lang="en-US" dirty="0" smtClean="0"/>
-              <a:t>Legacy</a:t>
-            </a:r>
+              <a:t>ready() and </a:t>
+            </a:r>
+            <a:r>
+              <a:rPr lang="en-US" dirty="0" err="1" smtClean="0"/>
+              <a:t>domReady</a:t>
+            </a:r>
+            <a:r>
+              <a:rPr lang="en-US" dirty="0" smtClean="0"/>
+              <a:t>!</a:t>
+            </a:r>
+            <a:endParaRPr lang="en-US" dirty="0"/>
+          </a:p>
+        </p:txBody>
+      </p:sp>
+      <p:sp>
+        <p:nvSpPr>
+          <p:cNvPr id="3" name="Content Placeholder 2"/>
+          <p:cNvSpPr>
+            <a:spLocks noGrp="1"/>
+          </p:cNvSpPr>
+          <p:nvPr>
+            <p:ph sz="quarter" idx="10"/>
+          </p:nvPr>
+        </p:nvSpPr>
+        <p:spPr/>
+        <p:txBody>
+          <a:bodyPr/>
+          <a:lstStyle/>
+          <a:p>
             <a:endParaRPr lang="en-US" dirty="0"/>
           </a:p>
         </p:txBody>
       </p:sp>
       <p:pic>
         <p:nvPicPr>
-          <p:cNvPr id="4" name="Content Placeholder 3" descr="Screen Shot 2013-03-20 at 9.39.08 AM.png"/>
+          <p:cNvPr id="5" name="Picture 4" descr="Screen Shot 2013-03-25 at 8.33.49 PM.png"/>
           <p:cNvPicPr>
-            <a:picLocks noGrp="1" noChangeAspect="1"/>
+            <a:picLocks noChangeAspect="1"/>
           </p:cNvPicPr>
-          <p:nvPr>
-            <p:ph sz="quarter" idx="10"/>
-          </p:nvPr>
+          <p:nvPr/>
         </p:nvPicPr>
         <p:blipFill>
-          <a:blip r:embed="rId2">
+          <a:blip r:embed="rId3">
             <a:extLst>
               <a:ext uri="{28A0092B-C50C-407E-A947-70E740481C1C}">
                 <a14:useLocalDpi xmlns:a14="http://schemas.microsoft.com/office/drawing/2010/main" val="0"/>
               </a:ext>
             </a:extLst>
           </a:blip>
-          <a:srcRect l="-40328" r="-40328"/>
           <a:stretch>
             <a:fillRect/>
           </a:stretch>
         </p:blipFill>
         <p:spPr>
           <a:xfrm>
-            <a:off x="914400" y="1828800"/>
-            <a:ext cx="7315200" cy="3429000"/>
+            <a:off x="1068766" y="1584348"/>
+            <a:ext cx="6217948" cy="2048688"/>
           </a:xfrm>
+          <a:prstGeom prst="rect">
+            <a:avLst/>
+          </a:prstGeom>
+        </p:spPr>
+      </p:pic>
+      <p:pic>
+        <p:nvPicPr>
+          <p:cNvPr id="7" name="Picture 6" descr="Screen Shot 2013-03-25 at 8.34.33 PM.png"/>
+          <p:cNvPicPr>
+            <a:picLocks noChangeAspect="1"/>
+          </p:cNvPicPr>
+          <p:nvPr/>
+        </p:nvPicPr>
+        <p:blipFill>
+          <a:blip r:embed="rId4">
+            <a:extLst>
+              <a:ext uri="{28A0092B-C50C-407E-A947-70E740481C1C}">
+                <a14:useLocalDpi xmlns:a14="http://schemas.microsoft.com/office/drawing/2010/main" val="0"/>
+              </a:ext>
+            </a:extLst>
+          </a:blip>
+          <a:stretch>
+            <a:fillRect/>
+          </a:stretch>
+        </p:blipFill>
+        <p:spPr>
+          <a:xfrm>
+            <a:off x="1068766" y="4350026"/>
+            <a:ext cx="6684167" cy="1645951"/>
+          </a:xfrm>
+          <a:prstGeom prst="rect">
+            <a:avLst/>
+          </a:prstGeom>
         </p:spPr>
       </p:pic>
     </p:spTree>
     <p:extLst>
       <p:ext uri="{BB962C8B-B14F-4D97-AF65-F5344CB8AC3E}">
-        <p14:creationId xmlns:p14="http://schemas.microsoft.com/office/powerpoint/2010/main" val="1848030877"/>
+        <p14:creationId xmlns:p14="http://schemas.microsoft.com/office/powerpoint/2010/main" val="627034655"/>
       </p:ext>
     </p:extLst>
   </p:cSld>
   <p:clrMapOvr>
     <a:masterClrMapping/>
   </p:clrMapOvr>
-  <p:transition spd="med">
+  <p:transition xmlns:p14="http://schemas.microsoft.com/office/powerpoint/2010/main" spd="med">
     <p:fade/>
   </p:transition>
 </p:sld>
@@ -10468,7 +11245,7 @@
           <a:p>
             <a:r>
               <a:rPr lang="en-US" dirty="0" smtClean="0"/>
-              <a:t>AMD</a:t>
+              <a:t>Legacy</a:t>
             </a:r>
             <a:endParaRPr lang="en-US" dirty="0"/>
           </a:p>
@@ -10476,7 +11253,7 @@
       </p:sp>
       <p:pic>
         <p:nvPicPr>
-          <p:cNvPr id="4" name="Content Placeholder 3" descr="Screen Shot 2013-03-20 at 9.40.00 AM.png"/>
+          <p:cNvPr id="4" name="Content Placeholder 3" descr="Screen Shot 2013-03-20 at 9.39.08 AM.png"/>
           <p:cNvPicPr>
             <a:picLocks noGrp="1" noChangeAspect="1"/>
           </p:cNvPicPr>
@@ -10485,31 +11262,36 @@
           </p:nvPr>
         </p:nvPicPr>
         <p:blipFill>
-          <a:blip r:embed="rId2">
+          <a:blip r:embed="rId3">
             <a:extLst>
               <a:ext uri="{28A0092B-C50C-407E-A947-70E740481C1C}">
                 <a14:useLocalDpi xmlns:a14="http://schemas.microsoft.com/office/drawing/2010/main" val="0"/>
               </a:ext>
             </a:extLst>
           </a:blip>
-          <a:srcRect l="-29400" r="-29400"/>
+          <a:srcRect l="-19753" r="-19753"/>
           <a:stretch>
             <a:fillRect/>
           </a:stretch>
         </p:blipFill>
-        <p:spPr/>
+        <p:spPr>
+          <a:xfrm>
+            <a:off x="914400" y="1828799"/>
+            <a:ext cx="7315200" cy="4440453"/>
+          </a:xfrm>
+        </p:spPr>
       </p:pic>
     </p:spTree>
     <p:extLst>
       <p:ext uri="{BB962C8B-B14F-4D97-AF65-F5344CB8AC3E}">
-        <p14:creationId xmlns:p14="http://schemas.microsoft.com/office/powerpoint/2010/main" val="524459905"/>
+        <p14:creationId xmlns:p14="http://schemas.microsoft.com/office/powerpoint/2010/main" val="1848030877"/>
       </p:ext>
     </p:extLst>
   </p:cSld>
   <p:clrMapOvr>
     <a:masterClrMapping/>
   </p:clrMapOvr>
-  <p:transition spd="med">
+  <p:transition xmlns:p14="http://schemas.microsoft.com/office/powerpoint/2010/main" spd="med">
     <p:fade/>
   </p:transition>
 </p:sld>
@@ -10549,11 +11331,7 @@
           <a:p>
             <a:r>
               <a:rPr lang="en-US" dirty="0" smtClean="0"/>
-              <a:t>Dojo </a:t>
-            </a:r>
-            <a:r>
-              <a:rPr lang="en-US" dirty="0" err="1" smtClean="0"/>
-              <a:t>Config</a:t>
+              <a:t>AMD</a:t>
             </a:r>
             <a:endParaRPr lang="en-US" dirty="0"/>
           </a:p>
@@ -10561,7 +11339,7 @@
       </p:sp>
       <p:pic>
         <p:nvPicPr>
-          <p:cNvPr id="4" name="Content Placeholder 3" descr="Screen Shot 2013-03-20 at 9.42.59 AM.png"/>
+          <p:cNvPr id="4" name="Content Placeholder 3" descr="Screen Shot 2013-03-20 at 9.40.00 AM.png"/>
           <p:cNvPicPr>
             <a:picLocks noGrp="1" noChangeAspect="1"/>
           </p:cNvPicPr>
@@ -10577,24 +11355,29 @@
               </a:ext>
             </a:extLst>
           </a:blip>
-          <a:srcRect l="-24105" r="-24105"/>
+          <a:srcRect l="-10224" r="-10224"/>
           <a:stretch>
             <a:fillRect/>
           </a:stretch>
         </p:blipFill>
-        <p:spPr/>
+        <p:spPr>
+          <a:xfrm>
+            <a:off x="914402" y="1828800"/>
+            <a:ext cx="7315200" cy="4520828"/>
+          </a:xfrm>
+        </p:spPr>
       </p:pic>
     </p:spTree>
     <p:extLst>
       <p:ext uri="{BB962C8B-B14F-4D97-AF65-F5344CB8AC3E}">
-        <p14:creationId xmlns:p14="http://schemas.microsoft.com/office/powerpoint/2010/main" val="3309295484"/>
+        <p14:creationId xmlns:p14="http://schemas.microsoft.com/office/powerpoint/2010/main" val="524459905"/>
       </p:ext>
     </p:extLst>
   </p:cSld>
   <p:clrMapOvr>
     <a:masterClrMapping/>
   </p:clrMapOvr>
-  <p:transition spd="med">
+  <p:transition xmlns:p14="http://schemas.microsoft.com/office/powerpoint/2010/main" spd="med">
     <p:fade/>
   </p:transition>
 </p:sld>
@@ -10634,7 +11417,11 @@
           <a:p>
             <a:r>
               <a:rPr lang="en-US" dirty="0" smtClean="0"/>
-              <a:t>Conditional Require</a:t>
+              <a:t>Dojo </a:t>
+            </a:r>
+            <a:r>
+              <a:rPr lang="en-US" dirty="0" err="1" smtClean="0"/>
+              <a:t>Config</a:t>
             </a:r>
             <a:endParaRPr lang="en-US" dirty="0"/>
           </a:p>
@@ -10642,7 +11429,7 @@
       </p:sp>
       <p:pic>
         <p:nvPicPr>
-          <p:cNvPr id="6" name="Content Placeholder 5" descr="Screen Shot 2013-03-20 at 10.56.55 AM.png"/>
+          <p:cNvPr id="4" name="Content Placeholder 3" descr="Screen Shot 2013-03-20 at 9.42.59 AM.png"/>
           <p:cNvPicPr>
             <a:picLocks noGrp="1" noChangeAspect="1"/>
           </p:cNvPicPr>
@@ -10651,31 +11438,36 @@
           </p:nvPr>
         </p:nvPicPr>
         <p:blipFill>
-          <a:blip r:embed="rId2">
+          <a:blip r:embed="rId3">
             <a:extLst>
               <a:ext uri="{28A0092B-C50C-407E-A947-70E740481C1C}">
                 <a14:useLocalDpi xmlns:a14="http://schemas.microsoft.com/office/drawing/2010/main" val="0"/>
               </a:ext>
             </a:extLst>
           </a:blip>
-          <a:srcRect l="-15046" r="-15046"/>
+          <a:srcRect l="-6611" r="-6611"/>
           <a:stretch>
             <a:fillRect/>
           </a:stretch>
         </p:blipFill>
-        <p:spPr/>
+        <p:spPr>
+          <a:xfrm>
+            <a:off x="914402" y="1828800"/>
+            <a:ext cx="7315200" cy="4488678"/>
+          </a:xfrm>
+        </p:spPr>
       </p:pic>
     </p:spTree>
     <p:extLst>
       <p:ext uri="{BB962C8B-B14F-4D97-AF65-F5344CB8AC3E}">
-        <p14:creationId xmlns:p14="http://schemas.microsoft.com/office/powerpoint/2010/main" val="3154186144"/>
+        <p14:creationId xmlns:p14="http://schemas.microsoft.com/office/powerpoint/2010/main" val="3309295484"/>
       </p:ext>
     </p:extLst>
   </p:cSld>
   <p:clrMapOvr>
     <a:masterClrMapping/>
   </p:clrMapOvr>
-  <p:transition spd="med">
+  <p:transition xmlns:p14="http://schemas.microsoft.com/office/powerpoint/2010/main" spd="med">
     <p:fade/>
   </p:transition>
 </p:sld>
@@ -10715,23 +11507,7 @@
           <a:p>
             <a:r>
               <a:rPr lang="en-US" dirty="0" smtClean="0"/>
-              <a:t>A Simple </a:t>
-            </a:r>
-            <a:r>
-              <a:rPr lang="en-US" dirty="0" err="1" smtClean="0"/>
-              <a:t>Dijit</a:t>
-            </a:r>
-            <a:r>
-              <a:rPr lang="en-US" dirty="0" smtClean="0"/>
-              <a:t>: HTML5 </a:t>
-            </a:r>
-            <a:r>
-              <a:rPr lang="en-US" dirty="0" err="1" smtClean="0"/>
-              <a:t>Fullscreen</a:t>
-            </a:r>
-            <a:r>
-              <a:rPr lang="en-US" dirty="0" smtClean="0"/>
-              <a:t> a Map</a:t>
+              <a:t>Conditional Require</a:t>
             </a:r>
             <a:endParaRPr lang="en-US" dirty="0"/>
           </a:p>
@@ -10739,9 +11515,7 @@
       </p:sp>
       <p:pic>
         <p:nvPicPr>
-          <p:cNvPr id="4" name="Content Placeholder 3">
-            <a:hlinkClick r:id="rId3"/>
-          </p:cNvPr>
+          <p:cNvPr id="6" name="Content Placeholder 5" descr="Screen Shot 2013-03-20 at 10.56.55 AM.png"/>
           <p:cNvPicPr>
             <a:picLocks noGrp="1" noChangeAspect="1"/>
           </p:cNvPicPr>
@@ -10750,37 +11524,45 @@
           </p:nvPr>
         </p:nvPicPr>
         <p:blipFill>
-          <a:blip r:embed="rId4">
+          <a:blip r:embed="rId3">
             <a:extLst>
               <a:ext uri="{28A0092B-C50C-407E-A947-70E740481C1C}">
                 <a14:useLocalDpi xmlns:a14="http://schemas.microsoft.com/office/drawing/2010/main" val="0"/>
               </a:ext>
             </a:extLst>
           </a:blip>
+          <a:srcRect l="-781" r="-781"/>
           <a:stretch>
             <a:fillRect/>
           </a:stretch>
         </p:blipFill>
         <p:spPr>
           <a:xfrm>
-            <a:off x="2848555" y="1828800"/>
-            <a:ext cx="3446890" cy="3429000"/>
+            <a:off x="914402" y="1828800"/>
+            <a:ext cx="7315200" cy="4392228"/>
           </a:xfrm>
         </p:spPr>
       </p:pic>
     </p:spTree>
     <p:extLst>
       <p:ext uri="{BB962C8B-B14F-4D97-AF65-F5344CB8AC3E}">
-        <p14:creationId xmlns:p14="http://schemas.microsoft.com/office/powerpoint/2010/main" val="2545931778"/>
+        <p14:creationId xmlns:p14="http://schemas.microsoft.com/office/powerpoint/2010/main" val="3154186144"/>
       </p:ext>
     </p:extLst>
   </p:cSld>
   <p:clrMapOvr>
     <a:masterClrMapping/>
   </p:clrMapOvr>
-  <p:transition spd="med">
+  <p:transition xmlns:p14="http://schemas.microsoft.com/office/powerpoint/2010/main" spd="med">
     <p:fade/>
   </p:transition>
+  <p:timing>
+    <p:tnLst>
+      <p:par>
+        <p:cTn xmlns:p14="http://schemas.microsoft.com/office/powerpoint/2010/main" id="1" dur="indefinite" restart="never" nodeType="tmRoot"/>
+      </p:par>
+    </p:tnLst>
+  </p:timing>
 </p:sld>
 </file>
 
@@ -10818,87 +11600,79 @@
           <a:p>
             <a:r>
               <a:rPr lang="en-US" dirty="0" smtClean="0"/>
-              <a:t>Converting legacy code tips</a:t>
+              <a:t>A Simple </a:t>
+            </a:r>
+            <a:r>
+              <a:rPr lang="en-US" dirty="0" err="1" smtClean="0"/>
+              <a:t>Dijit</a:t>
+            </a:r>
+            <a:r>
+              <a:rPr lang="en-US" dirty="0" smtClean="0"/>
+              <a:t>: HTML5 </a:t>
+            </a:r>
+            <a:r>
+              <a:rPr lang="en-US" dirty="0" err="1" smtClean="0"/>
+              <a:t>Fullscreen</a:t>
+            </a:r>
+            <a:r>
+              <a:rPr lang="en-US" dirty="0" smtClean="0"/>
+              <a:t> a Map</a:t>
             </a:r>
             <a:endParaRPr lang="en-US" dirty="0"/>
           </a:p>
         </p:txBody>
       </p:sp>
-      <p:sp>
-        <p:nvSpPr>
-          <p:cNvPr id="3" name="Content Placeholder 2"/>
-          <p:cNvSpPr>
-            <a:spLocks noGrp="1"/>
-          </p:cNvSpPr>
+      <p:pic>
+        <p:nvPicPr>
+          <p:cNvPr id="4" name="Content Placeholder 3">
+            <a:hlinkClick r:id="rId3"/>
+          </p:cNvPr>
+          <p:cNvPicPr>
+            <a:picLocks noGrp="1" noChangeAspect="1"/>
+          </p:cNvPicPr>
           <p:nvPr>
             <p:ph sz="quarter" idx="10"/>
           </p:nvPr>
-        </p:nvSpPr>
-        <p:spPr/>
-        <p:txBody>
-          <a:bodyPr/>
-          <a:lstStyle/>
-          <a:p>
-            <a:r>
-              <a:rPr lang="en-US" dirty="0" smtClean="0"/>
-              <a:t>Refer back to the latest Dojo API</a:t>
-            </a:r>
-          </a:p>
-          <a:p>
-            <a:pPr lvl="1"/>
-            <a:r>
-              <a:rPr lang="en-US" dirty="0" smtClean="0"/>
-              <a:t>Some functions deprecated or replaced</a:t>
-            </a:r>
-          </a:p>
-          <a:p>
-            <a:pPr lvl="2"/>
-            <a:r>
-              <a:rPr lang="en-US" dirty="0" smtClean="0"/>
-              <a:t>Use newer Dojo functions if available</a:t>
-            </a:r>
-          </a:p>
-          <a:p>
-            <a:pPr lvl="1"/>
-            <a:r>
-              <a:rPr lang="en-US" dirty="0" smtClean="0"/>
-              <a:t>Use new event handling with on()</a:t>
-            </a:r>
-          </a:p>
-          <a:p>
-            <a:pPr lvl="1"/>
-            <a:r>
-              <a:rPr lang="en-US" dirty="0" smtClean="0"/>
-              <a:t>Get/Set widget properties with .get() and .set()</a:t>
-            </a:r>
-            <a:endParaRPr lang="en-US" dirty="0"/>
-          </a:p>
-          <a:p>
-            <a:pPr lvl="1"/>
-            <a:r>
-              <a:rPr lang="en-US" dirty="0"/>
-              <a:t>w</a:t>
-            </a:r>
-            <a:r>
-              <a:rPr lang="en-US" dirty="0" smtClean="0"/>
-              <a:t>atch() widget properties and call update functions</a:t>
-            </a:r>
-          </a:p>
-        </p:txBody>
-      </p:sp>
+        </p:nvPicPr>
+        <p:blipFill>
+          <a:blip r:embed="rId4">
+            <a:extLst>
+              <a:ext uri="{28A0092B-C50C-407E-A947-70E740481C1C}">
+                <a14:useLocalDpi xmlns:a14="http://schemas.microsoft.com/office/drawing/2010/main" val="0"/>
+              </a:ext>
+            </a:extLst>
+          </a:blip>
+          <a:stretch>
+            <a:fillRect/>
+          </a:stretch>
+        </p:blipFill>
+        <p:spPr>
+          <a:xfrm>
+            <a:off x="1658830" y="1635900"/>
+            <a:ext cx="4900734" cy="4875298"/>
+          </a:xfrm>
+        </p:spPr>
+      </p:pic>
     </p:spTree>
     <p:extLst>
       <p:ext uri="{BB962C8B-B14F-4D97-AF65-F5344CB8AC3E}">
-        <p14:creationId xmlns:p14="http://schemas.microsoft.com/office/powerpoint/2010/main" val="640490585"/>
+        <p14:creationId xmlns:p14="http://schemas.microsoft.com/office/powerpoint/2010/main" val="2545931778"/>
       </p:ext>
     </p:extLst>
   </p:cSld>
   <p:clrMapOvr>
     <a:masterClrMapping/>
   </p:clrMapOvr>
-  <p:transition spd="med">
+  <p:transition xmlns:p14="http://schemas.microsoft.com/office/powerpoint/2010/main" spd="med">
     <p:fade/>
   </p:transition>
+  <p:timing>
+    <p:tnLst>
+      <p:par>
+        <p:cTn xmlns:p14="http://schemas.microsoft.com/office/powerpoint/2010/main" id="1" dur="indefinite" restart="never" nodeType="tmRoot"/>
+      </p:par>
+    </p:tnLst>
+  </p:timing>
 </p:sld>
 </file>
 

--- a/Creating AMD Dijits for ArcGIS API for JavaScript.pptx
+++ b/Creating AMD Dijits for ArcGIS API for JavaScript.pptx
@@ -121,7 +121,7 @@
   </p:defaultTextStyle>
   <p:extLst>
     <p:ext uri="{EFAFB233-063F-42B5-8137-9DF3F51BA10A}">
-      <p15:sldGuideLst xmlns="" xmlns:p15="http://schemas.microsoft.com/office/powerpoint/2012/main">
+      <p15:sldGuideLst xmlns:p15="http://schemas.microsoft.com/office/powerpoint/2012/main" xmlns="">
         <p15:guide id="1" orient="horz" pos="430">
           <p15:clr>
             <a:srgbClr val="A4A3A4"/>
@@ -235,7 +235,7 @@
             <a:fld id="{5498D241-0AB7-BC44-80E8-F0A20AF46E9E}" type="datetimeFigureOut">
               <a:rPr lang="en-US" smtClean="0"/>
               <a:pPr/>
-              <a:t>3/25/13</a:t>
+              <a:t>3/26/13</a:t>
             </a:fld>
             <a:endParaRPr lang="en-US" dirty="0"/>
           </a:p>
